--- a/Documentación/Presentación XXIX_JIEE_EPN_2019_paper_39.pptx
+++ b/Documentación/Presentación XXIX_JIEE_EPN_2019_paper_39.pptx
@@ -5,28 +5,33 @@
     <p:sldMasterId id="2147483660" r:id="rId1"/>
   </p:sldMasterIdLst>
   <p:notesMasterIdLst>
-    <p:notesMasterId r:id="rId18"/>
+    <p:notesMasterId r:id="rId23"/>
   </p:notesMasterIdLst>
   <p:handoutMasterIdLst>
-    <p:handoutMasterId r:id="rId19"/>
+    <p:handoutMasterId r:id="rId24"/>
   </p:handoutMasterIdLst>
   <p:sldIdLst>
     <p:sldId id="256" r:id="rId2"/>
-    <p:sldId id="257" r:id="rId3"/>
-    <p:sldId id="258" r:id="rId4"/>
-    <p:sldId id="259" r:id="rId5"/>
-    <p:sldId id="264" r:id="rId6"/>
-    <p:sldId id="265" r:id="rId7"/>
-    <p:sldId id="263" r:id="rId8"/>
-    <p:sldId id="266" r:id="rId9"/>
-    <p:sldId id="267" r:id="rId10"/>
-    <p:sldId id="261" r:id="rId11"/>
-    <p:sldId id="268" r:id="rId12"/>
-    <p:sldId id="269" r:id="rId13"/>
-    <p:sldId id="270" r:id="rId14"/>
-    <p:sldId id="262" r:id="rId15"/>
-    <p:sldId id="271" r:id="rId16"/>
-    <p:sldId id="274" r:id="rId17"/>
+    <p:sldId id="275" r:id="rId3"/>
+    <p:sldId id="257" r:id="rId4"/>
+    <p:sldId id="276" r:id="rId5"/>
+    <p:sldId id="258" r:id="rId6"/>
+    <p:sldId id="259" r:id="rId7"/>
+    <p:sldId id="264" r:id="rId8"/>
+    <p:sldId id="265" r:id="rId9"/>
+    <p:sldId id="277" r:id="rId10"/>
+    <p:sldId id="263" r:id="rId11"/>
+    <p:sldId id="266" r:id="rId12"/>
+    <p:sldId id="267" r:id="rId13"/>
+    <p:sldId id="278" r:id="rId14"/>
+    <p:sldId id="261" r:id="rId15"/>
+    <p:sldId id="268" r:id="rId16"/>
+    <p:sldId id="269" r:id="rId17"/>
+    <p:sldId id="270" r:id="rId18"/>
+    <p:sldId id="279" r:id="rId19"/>
+    <p:sldId id="262" r:id="rId20"/>
+    <p:sldId id="271" r:id="rId21"/>
+    <p:sldId id="274" r:id="rId22"/>
   </p:sldIdLst>
   <p:sldSz cx="9144000" cy="6858000" type="screen4x3"/>
   <p:notesSz cx="6858000" cy="9144000"/>
@@ -3676,11 +3681,7 @@
         <a:p>
           <a:r>
             <a:rPr lang="es-EC" b="1" dirty="0" smtClean="0"/>
-            <a:t>Desvanecimiento </a:t>
-          </a:r>
-          <a:r>
-            <a:rPr lang="es-EC" b="1" dirty="0" smtClean="0"/>
-            <a:t>a gran escala</a:t>
+            <a:t>Desvanecimiento a gran escala</a:t>
           </a:r>
           <a:endParaRPr lang="es-EC" b="1" dirty="0"/>
         </a:p>
@@ -3799,11 +3800,7 @@
         <a:p>
           <a:r>
             <a:rPr lang="es-EC" b="1" dirty="0" smtClean="0"/>
-            <a:t>Desvanecimiento </a:t>
-          </a:r>
-          <a:r>
-            <a:rPr lang="es-EC" b="1" dirty="0" smtClean="0"/>
-            <a:t>a pequeña escala</a:t>
+            <a:t>Desvanecimiento a pequeña escala</a:t>
           </a:r>
           <a:endParaRPr lang="es-EC" b="1" dirty="0"/>
         </a:p>
@@ -6226,11 +6223,7 @@
           </a:pPr>
           <a:r>
             <a:rPr lang="es-EC" sz="1500" b="1" kern="1200" dirty="0" smtClean="0"/>
-            <a:t>Desvanecimiento </a:t>
-          </a:r>
-          <a:r>
-            <a:rPr lang="es-EC" sz="1500" b="1" kern="1200" dirty="0" smtClean="0"/>
-            <a:t>a gran escala</a:t>
+            <a:t>Desvanecimiento a gran escala</a:t>
           </a:r>
           <a:endParaRPr lang="es-EC" sz="1500" b="1" kern="1200" dirty="0"/>
         </a:p>
@@ -6475,11 +6468,7 @@
           </a:pPr>
           <a:r>
             <a:rPr lang="es-EC" sz="1500" b="1" kern="1200" dirty="0" smtClean="0"/>
-            <a:t>Desvanecimiento </a:t>
-          </a:r>
-          <a:r>
-            <a:rPr lang="es-EC" sz="1500" b="1" kern="1200" dirty="0" smtClean="0"/>
-            <a:t>a pequeña escala</a:t>
+            <a:t>Desvanecimiento a pequeña escala</a:t>
           </a:r>
           <a:endParaRPr lang="es-EC" sz="1500" b="1" kern="1200" dirty="0"/>
         </a:p>
@@ -14259,7 +14248,7 @@
           <a:p>
             <a:fld id="{FA7386B9-03D5-486C-956E-8ABD0391473A}" type="datetimeFigureOut">
               <a:rPr lang="es-EC" smtClean="0"/>
-              <a:t>21/11/2019</a:t>
+              <a:t>22/11/2019</a:t>
             </a:fld>
             <a:endParaRPr lang="es-EC"/>
           </a:p>
@@ -15340,7 +15329,7 @@
             <a:fld id="{18A666FE-12E6-4469-9916-916ADF1F618E}" type="slidenum">
               <a:rPr lang="en-US" altLang="es-EC" sz="1200"/>
               <a:pPr eaLnBrk="1" hangingPunct="1"/>
-              <a:t>10</a:t>
+              <a:t>14</a:t>
             </a:fld>
             <a:endParaRPr lang="en-US" altLang="es-EC" sz="1200"/>
           </a:p>
@@ -15550,7 +15539,7 @@
             <a:fld id="{18A666FE-12E6-4469-9916-916ADF1F618E}" type="slidenum">
               <a:rPr lang="en-US" altLang="es-EC" sz="1200"/>
               <a:pPr eaLnBrk="1" hangingPunct="1"/>
-              <a:t>11</a:t>
+              <a:t>15</a:t>
             </a:fld>
             <a:endParaRPr lang="en-US" altLang="es-EC" sz="1200"/>
           </a:p>
@@ -15760,7 +15749,7 @@
             <a:fld id="{18A666FE-12E6-4469-9916-916ADF1F618E}" type="slidenum">
               <a:rPr lang="en-US" altLang="es-EC" sz="1200"/>
               <a:pPr eaLnBrk="1" hangingPunct="1"/>
-              <a:t>12</a:t>
+              <a:t>16</a:t>
             </a:fld>
             <a:endParaRPr lang="en-US" altLang="es-EC" sz="1200"/>
           </a:p>
@@ -15970,7 +15959,7 @@
             <a:fld id="{18A666FE-12E6-4469-9916-916ADF1F618E}" type="slidenum">
               <a:rPr lang="en-US" altLang="es-EC" sz="1200"/>
               <a:pPr eaLnBrk="1" hangingPunct="1"/>
-              <a:t>13</a:t>
+              <a:t>17</a:t>
             </a:fld>
             <a:endParaRPr lang="en-US" altLang="es-EC" sz="1200"/>
           </a:p>
@@ -16180,7 +16169,7 @@
             <a:fld id="{18A666FE-12E6-4469-9916-916ADF1F618E}" type="slidenum">
               <a:rPr lang="en-US" altLang="es-EC" sz="1200"/>
               <a:pPr eaLnBrk="1" hangingPunct="1"/>
-              <a:t>14</a:t>
+              <a:t>19</a:t>
             </a:fld>
             <a:endParaRPr lang="en-US" altLang="es-EC" sz="1200"/>
           </a:p>
@@ -16390,7 +16379,7 @@
             <a:fld id="{18A666FE-12E6-4469-9916-916ADF1F618E}" type="slidenum">
               <a:rPr lang="en-US" altLang="es-EC" sz="1200"/>
               <a:pPr eaLnBrk="1" hangingPunct="1"/>
-              <a:t>15</a:t>
+              <a:t>20</a:t>
             </a:fld>
             <a:endParaRPr lang="en-US" altLang="es-EC" sz="1200"/>
           </a:p>
@@ -16600,7 +16589,7 @@
             <a:fld id="{18A666FE-12E6-4469-9916-916ADF1F618E}" type="slidenum">
               <a:rPr lang="en-US" altLang="es-EC" sz="1200"/>
               <a:pPr eaLnBrk="1" hangingPunct="1"/>
-              <a:t>2</a:t>
+              <a:t>3</a:t>
             </a:fld>
             <a:endParaRPr lang="en-US" altLang="es-EC" sz="1200"/>
           </a:p>
@@ -16810,7 +16799,7 @@
             <a:fld id="{18A666FE-12E6-4469-9916-916ADF1F618E}" type="slidenum">
               <a:rPr lang="en-US" altLang="es-EC" sz="1200"/>
               <a:pPr eaLnBrk="1" hangingPunct="1"/>
-              <a:t>3</a:t>
+              <a:t>5</a:t>
             </a:fld>
             <a:endParaRPr lang="en-US" altLang="es-EC" sz="1200"/>
           </a:p>
@@ -17020,7 +17009,7 @@
             <a:fld id="{18A666FE-12E6-4469-9916-916ADF1F618E}" type="slidenum">
               <a:rPr lang="en-US" altLang="es-EC" sz="1200"/>
               <a:pPr eaLnBrk="1" hangingPunct="1"/>
-              <a:t>4</a:t>
+              <a:t>6</a:t>
             </a:fld>
             <a:endParaRPr lang="en-US" altLang="es-EC" sz="1200"/>
           </a:p>
@@ -17230,7 +17219,7 @@
             <a:fld id="{18A666FE-12E6-4469-9916-916ADF1F618E}" type="slidenum">
               <a:rPr lang="en-US" altLang="es-EC" sz="1200"/>
               <a:pPr eaLnBrk="1" hangingPunct="1"/>
-              <a:t>5</a:t>
+              <a:t>7</a:t>
             </a:fld>
             <a:endParaRPr lang="en-US" altLang="es-EC" sz="1200"/>
           </a:p>
@@ -17440,7 +17429,7 @@
             <a:fld id="{18A666FE-12E6-4469-9916-916ADF1F618E}" type="slidenum">
               <a:rPr lang="en-US" altLang="es-EC" sz="1200"/>
               <a:pPr eaLnBrk="1" hangingPunct="1"/>
-              <a:t>6</a:t>
+              <a:t>8</a:t>
             </a:fld>
             <a:endParaRPr lang="en-US" altLang="es-EC" sz="1200"/>
           </a:p>
@@ -17650,7 +17639,7 @@
             <a:fld id="{18A666FE-12E6-4469-9916-916ADF1F618E}" type="slidenum">
               <a:rPr lang="en-US" altLang="es-EC" sz="1200"/>
               <a:pPr eaLnBrk="1" hangingPunct="1"/>
-              <a:t>7</a:t>
+              <a:t>10</a:t>
             </a:fld>
             <a:endParaRPr lang="en-US" altLang="es-EC" sz="1200"/>
           </a:p>
@@ -17860,7 +17849,7 @@
             <a:fld id="{18A666FE-12E6-4469-9916-916ADF1F618E}" type="slidenum">
               <a:rPr lang="en-US" altLang="es-EC" sz="1200"/>
               <a:pPr eaLnBrk="1" hangingPunct="1"/>
-              <a:t>8</a:t>
+              <a:t>11</a:t>
             </a:fld>
             <a:endParaRPr lang="en-US" altLang="es-EC" sz="1200"/>
           </a:p>
@@ -18070,7 +18059,7 @@
             <a:fld id="{18A666FE-12E6-4469-9916-916ADF1F618E}" type="slidenum">
               <a:rPr lang="en-US" altLang="es-EC" sz="1200"/>
               <a:pPr eaLnBrk="1" hangingPunct="1"/>
-              <a:t>9</a:t>
+              <a:t>12</a:t>
             </a:fld>
             <a:endParaRPr lang="en-US" altLang="es-EC" sz="1200"/>
           </a:p>
@@ -18851,7 +18840,7 @@
           <a:p>
             <a:fld id="{6217FA16-D3A2-4C70-8365-5501D323356C}" type="datetime1">
               <a:rPr lang="es-EC" smtClean="0"/>
-              <a:t>21/11/2019</a:t>
+              <a:t>22/11/2019</a:t>
             </a:fld>
             <a:endParaRPr lang="es-EC"/>
           </a:p>
@@ -19393,11 +19382,27 @@
             </a:br>
             <a:r>
               <a:rPr lang="es-EC" altLang="es-EC" sz="2600" b="1" i="1" dirty="0"/>
-              <a:t>Jonathan Jaramillo, Andrés </a:t>
+              <a:t>Jonathan </a:t>
             </a:r>
             <a:r>
               <a:rPr lang="es-EC" altLang="es-EC" sz="2600" b="1" i="1" dirty="0" smtClean="0"/>
-              <a:t>Mera,</a:t>
+              <a:t>Jaramillo Arboleda, </a:t>
+            </a:r>
+            <a:r>
+              <a:rPr lang="es-EC" altLang="es-EC" sz="2600" b="1" i="1" dirty="0"/>
+              <a:t>Andrés </a:t>
+            </a:r>
+            <a:r>
+              <a:rPr lang="es-EC" altLang="es-EC" sz="2600" b="1" i="1" dirty="0" smtClean="0"/>
+              <a:t>Mera Muñoz</a:t>
+            </a:r>
+            <a:r>
+              <a:rPr lang="es-EC" altLang="es-EC" sz="2600" b="1" i="1" dirty="0" smtClean="0"/>
+              <a:t>,</a:t>
+            </a:r>
+            <a:r>
+              <a:rPr lang="es-EC" altLang="es-EC" sz="2600" b="1" i="1" dirty="0" smtClean="0"/>
+              <a:t/>
             </a:r>
             <a:br>
               <a:rPr lang="es-EC" altLang="es-EC" sz="2600" b="1" i="1" dirty="0" smtClean="0"/>
@@ -19494,6 +19499,1795 @@
 </file>
 
 <file path=ppt/slides/slide10.xml><?xml version="1.0" encoding="utf-8"?>
+<p:sld xmlns:a="http://schemas.openxmlformats.org/drawingml/2006/main" xmlns:r="http://schemas.openxmlformats.org/officeDocument/2006/relationships" xmlns:p="http://schemas.openxmlformats.org/presentationml/2006/main">
+  <p:cSld>
+    <p:spTree>
+      <p:nvGrpSpPr>
+        <p:cNvPr id="1" name=""/>
+        <p:cNvGrpSpPr/>
+        <p:nvPr/>
+      </p:nvGrpSpPr>
+      <p:grpSpPr>
+        <a:xfrm>
+          <a:off x="0" y="0"/>
+          <a:ext cx="0" cy="0"/>
+          <a:chOff x="0" y="0"/>
+          <a:chExt cx="0" cy="0"/>
+        </a:xfrm>
+      </p:grpSpPr>
+      <p:sp>
+        <p:nvSpPr>
+          <p:cNvPr id="3074" name="Rectangle 4">
+            <a:extLst>
+              <a:ext uri="{FF2B5EF4-FFF2-40B4-BE49-F238E27FC236}">
+                <a16:creationId xmlns:a16="http://schemas.microsoft.com/office/drawing/2014/main" id="{AE8A3DF6-414E-4AFF-B2DF-189B11211C44}"/>
+              </a:ext>
+            </a:extLst>
+          </p:cNvPr>
+          <p:cNvSpPr>
+            <a:spLocks noGrp="1" noChangeArrowheads="1"/>
+          </p:cNvSpPr>
+          <p:nvPr>
+            <p:ph type="title"/>
+          </p:nvPr>
+        </p:nvSpPr>
+        <p:spPr>
+          <a:xfrm>
+            <a:off x="1752600" y="427037"/>
+            <a:ext cx="7315200" cy="715963"/>
+          </a:xfrm>
+          <a:extLst>
+            <a:ext uri="{AF507438-7753-43E0-B8FC-AC1667EBCBE1}">
+              <a14:hiddenEffects xmlns:a14="http://schemas.microsoft.com/office/drawing/2010/main">
+                <a:effectLst>
+                  <a:outerShdw dist="17961" dir="2700000" algn="ctr" rotWithShape="0">
+                    <a:schemeClr val="tx2"/>
+                  </a:outerShdw>
+                </a:effectLst>
+              </a14:hiddenEffects>
+            </a:ext>
+          </a:extLst>
+        </p:spPr>
+        <p:txBody>
+          <a:bodyPr>
+            <a:normAutofit fontScale="90000"/>
+          </a:bodyPr>
+          <a:lstStyle/>
+          <a:p>
+            <a:r>
+              <a:rPr lang="es-EC" altLang="es-EC" sz="3200" b="1" dirty="0" smtClean="0"/>
+              <a:t>Diseño en MATLAB de canales con desvanecimiento a pequeña escala</a:t>
+            </a:r>
+            <a:endParaRPr lang="es-EC" altLang="es-EC" sz="3200" b="1" dirty="0">
+              <a:solidFill>
+                <a:srgbClr val="0F1151"/>
+              </a:solidFill>
+            </a:endParaRPr>
+          </a:p>
+        </p:txBody>
+      </p:sp>
+      <p:sp>
+        <p:nvSpPr>
+          <p:cNvPr id="2" name="Marcador de número de diapositiva 1">
+            <a:extLst>
+              <a:ext uri="{FF2B5EF4-FFF2-40B4-BE49-F238E27FC236}">
+                <a16:creationId xmlns:a16="http://schemas.microsoft.com/office/drawing/2014/main" id="{A4561E57-382E-4082-9185-B9E5406F6D76}"/>
+              </a:ext>
+            </a:extLst>
+          </p:cNvPr>
+          <p:cNvSpPr>
+            <a:spLocks noGrp="1"/>
+          </p:cNvSpPr>
+          <p:nvPr>
+            <p:ph type="sldNum" sz="quarter" idx="12"/>
+          </p:nvPr>
+        </p:nvSpPr>
+        <p:spPr/>
+        <p:txBody>
+          <a:bodyPr/>
+          <a:lstStyle/>
+          <a:p>
+            <a:fld id="{A2BD2354-8804-4BED-BAB9-075C92A071CC}" type="slidenum">
+              <a:rPr lang="es-EC" smtClean="0"/>
+              <a:t>10</a:t>
+            </a:fld>
+            <a:endParaRPr lang="es-EC" dirty="0"/>
+          </a:p>
+        </p:txBody>
+      </p:sp>
+      <p:sp>
+        <p:nvSpPr>
+          <p:cNvPr id="4" name="Rectangle 4">
+            <a:extLst>
+              <a:ext uri="{FF2B5EF4-FFF2-40B4-BE49-F238E27FC236}">
+                <a16:creationId xmlns:a16="http://schemas.microsoft.com/office/drawing/2014/main" id="{07166D38-EEFA-449B-B20A-7374B427F22A}"/>
+              </a:ext>
+            </a:extLst>
+          </p:cNvPr>
+          <p:cNvSpPr txBox="1">
+            <a:spLocks noChangeArrowheads="1"/>
+          </p:cNvSpPr>
+          <p:nvPr/>
+        </p:nvSpPr>
+        <p:spPr bwMode="auto">
+          <a:xfrm>
+            <a:off x="1752600" y="1874837"/>
+            <a:ext cx="7315200" cy="715963"/>
+          </a:xfrm>
+          <a:prstGeom prst="rect">
+            <a:avLst/>
+          </a:prstGeom>
+          <a:noFill/>
+          <a:ln>
+            <a:noFill/>
+          </a:ln>
+          <a:effectLst/>
+          <a:extLst>
+            <a:ext uri="{909E8E84-426E-40DD-AFC4-6F175D3DCCD1}">
+              <a14:hiddenFill xmlns:a14="http://schemas.microsoft.com/office/drawing/2010/main">
+                <a:solidFill>
+                  <a:schemeClr val="accent1"/>
+                </a:solidFill>
+              </a14:hiddenFill>
+            </a:ext>
+            <a:ext uri="{91240B29-F687-4F45-9708-019B960494DF}">
+              <a14:hiddenLine xmlns:a14="http://schemas.microsoft.com/office/drawing/2010/main" w="9525">
+                <a:solidFill>
+                  <a:schemeClr val="tx1"/>
+                </a:solidFill>
+                <a:miter lim="800000"/>
+                <a:headEnd/>
+                <a:tailEnd/>
+              </a14:hiddenLine>
+            </a:ext>
+            <a:ext uri="{AF507438-7753-43E0-B8FC-AC1667EBCBE1}">
+              <a14:hiddenEffects xmlns:a14="http://schemas.microsoft.com/office/drawing/2010/main">
+                <a:effectLst>
+                  <a:outerShdw dist="17961" dir="2700000" algn="ctr" rotWithShape="0">
+                    <a:schemeClr val="tx2"/>
+                  </a:outerShdw>
+                </a:effectLst>
+              </a14:hiddenEffects>
+            </a:ext>
+          </a:extLst>
+        </p:spPr>
+        <p:txBody>
+          <a:bodyPr vert="horz" wrap="square" lIns="91440" tIns="45720" rIns="91440" bIns="45720" numCol="1" anchor="ctr" anchorCtr="0" compatLnSpc="1">
+            <a:prstTxWarp prst="textNoShape">
+              <a:avLst/>
+            </a:prstTxWarp>
+          </a:bodyPr>
+          <a:lstStyle>
+            <a:lvl1pPr algn="l" rtl="0" eaLnBrk="1" fontAlgn="base" hangingPunct="1">
+              <a:spcBef>
+                <a:spcPct val="0"/>
+              </a:spcBef>
+              <a:spcAft>
+                <a:spcPct val="0"/>
+              </a:spcAft>
+              <a:defRPr sz="4400">
+                <a:solidFill>
+                  <a:schemeClr val="tx1"/>
+                </a:solidFill>
+                <a:latin typeface="+mj-lt"/>
+                <a:ea typeface="+mj-ea"/>
+                <a:cs typeface="+mj-cs"/>
+              </a:defRPr>
+            </a:lvl1pPr>
+            <a:lvl2pPr algn="l" rtl="0" eaLnBrk="1" fontAlgn="base" hangingPunct="1">
+              <a:spcBef>
+                <a:spcPct val="0"/>
+              </a:spcBef>
+              <a:spcAft>
+                <a:spcPct val="0"/>
+              </a:spcAft>
+              <a:defRPr sz="4400">
+                <a:solidFill>
+                  <a:schemeClr val="tx1"/>
+                </a:solidFill>
+                <a:latin typeface="Microsoft Sans Serif" pitchFamily="34" charset="0"/>
+              </a:defRPr>
+            </a:lvl2pPr>
+            <a:lvl3pPr algn="l" rtl="0" eaLnBrk="1" fontAlgn="base" hangingPunct="1">
+              <a:spcBef>
+                <a:spcPct val="0"/>
+              </a:spcBef>
+              <a:spcAft>
+                <a:spcPct val="0"/>
+              </a:spcAft>
+              <a:defRPr sz="4400">
+                <a:solidFill>
+                  <a:schemeClr val="tx1"/>
+                </a:solidFill>
+                <a:latin typeface="Microsoft Sans Serif" pitchFamily="34" charset="0"/>
+              </a:defRPr>
+            </a:lvl3pPr>
+            <a:lvl4pPr algn="l" rtl="0" eaLnBrk="1" fontAlgn="base" hangingPunct="1">
+              <a:spcBef>
+                <a:spcPct val="0"/>
+              </a:spcBef>
+              <a:spcAft>
+                <a:spcPct val="0"/>
+              </a:spcAft>
+              <a:defRPr sz="4400">
+                <a:solidFill>
+                  <a:schemeClr val="tx1"/>
+                </a:solidFill>
+                <a:latin typeface="Microsoft Sans Serif" pitchFamily="34" charset="0"/>
+              </a:defRPr>
+            </a:lvl4pPr>
+            <a:lvl5pPr algn="l" rtl="0" eaLnBrk="1" fontAlgn="base" hangingPunct="1">
+              <a:spcBef>
+                <a:spcPct val="0"/>
+              </a:spcBef>
+              <a:spcAft>
+                <a:spcPct val="0"/>
+              </a:spcAft>
+              <a:defRPr sz="4400">
+                <a:solidFill>
+                  <a:schemeClr val="tx1"/>
+                </a:solidFill>
+                <a:latin typeface="Microsoft Sans Serif" pitchFamily="34" charset="0"/>
+              </a:defRPr>
+            </a:lvl5pPr>
+            <a:lvl6pPr marL="457200" algn="l" rtl="0" eaLnBrk="1" fontAlgn="base" hangingPunct="1">
+              <a:spcBef>
+                <a:spcPct val="0"/>
+              </a:spcBef>
+              <a:spcAft>
+                <a:spcPct val="0"/>
+              </a:spcAft>
+              <a:defRPr sz="4400">
+                <a:solidFill>
+                  <a:schemeClr val="tx1"/>
+                </a:solidFill>
+                <a:latin typeface="Microsoft Sans Serif" pitchFamily="34" charset="0"/>
+              </a:defRPr>
+            </a:lvl6pPr>
+            <a:lvl7pPr marL="914400" algn="l" rtl="0" eaLnBrk="1" fontAlgn="base" hangingPunct="1">
+              <a:spcBef>
+                <a:spcPct val="0"/>
+              </a:spcBef>
+              <a:spcAft>
+                <a:spcPct val="0"/>
+              </a:spcAft>
+              <a:defRPr sz="4400">
+                <a:solidFill>
+                  <a:schemeClr val="tx1"/>
+                </a:solidFill>
+                <a:latin typeface="Microsoft Sans Serif" pitchFamily="34" charset="0"/>
+              </a:defRPr>
+            </a:lvl7pPr>
+            <a:lvl8pPr marL="1371600" algn="l" rtl="0" eaLnBrk="1" fontAlgn="base" hangingPunct="1">
+              <a:spcBef>
+                <a:spcPct val="0"/>
+              </a:spcBef>
+              <a:spcAft>
+                <a:spcPct val="0"/>
+              </a:spcAft>
+              <a:defRPr sz="4400">
+                <a:solidFill>
+                  <a:schemeClr val="tx1"/>
+                </a:solidFill>
+                <a:latin typeface="Microsoft Sans Serif" pitchFamily="34" charset="0"/>
+              </a:defRPr>
+            </a:lvl8pPr>
+            <a:lvl9pPr marL="1828800" algn="l" rtl="0" eaLnBrk="1" fontAlgn="base" hangingPunct="1">
+              <a:spcBef>
+                <a:spcPct val="0"/>
+              </a:spcBef>
+              <a:spcAft>
+                <a:spcPct val="0"/>
+              </a:spcAft>
+              <a:defRPr sz="4400">
+                <a:solidFill>
+                  <a:schemeClr val="tx1"/>
+                </a:solidFill>
+                <a:latin typeface="Microsoft Sans Serif" pitchFamily="34" charset="0"/>
+              </a:defRPr>
+            </a:lvl9pPr>
+          </a:lstStyle>
+          <a:p>
+            <a:r>
+              <a:rPr lang="es-EC" altLang="es-EC" sz="2400" b="1" kern="0" dirty="0" smtClean="0">
+                <a:solidFill>
+                  <a:srgbClr val="0F1151"/>
+                </a:solidFill>
+                <a:latin typeface="Verdana" panose="020B0604030504040204" pitchFamily="34" charset="0"/>
+                <a:ea typeface="Verdana" panose="020B0604030504040204" pitchFamily="34" charset="0"/>
+                <a:cs typeface="Verdana" panose="020B0604030504040204" pitchFamily="34" charset="0"/>
+              </a:rPr>
+              <a:t>Diagrama de bloques (sistema de comunicación inalámbrico implementado)</a:t>
+            </a:r>
+            <a:endParaRPr lang="es-EC" altLang="es-EC" sz="2400" b="1" kern="0" dirty="0">
+              <a:solidFill>
+                <a:srgbClr val="0F1151"/>
+              </a:solidFill>
+              <a:latin typeface="Verdana" panose="020B0604030504040204" pitchFamily="34" charset="0"/>
+              <a:ea typeface="Verdana" panose="020B0604030504040204" pitchFamily="34" charset="0"/>
+              <a:cs typeface="Verdana" panose="020B0604030504040204" pitchFamily="34" charset="0"/>
+            </a:endParaRPr>
+          </a:p>
+        </p:txBody>
+      </p:sp>
+      <p:graphicFrame>
+        <p:nvGraphicFramePr>
+          <p:cNvPr id="5" name="Marcador de contenido 4"/>
+          <p:cNvGraphicFramePr>
+            <a:graphicFrameLocks noGrp="1"/>
+          </p:cNvGraphicFramePr>
+          <p:nvPr>
+            <p:ph idx="1"/>
+            <p:extLst>
+              <p:ext uri="{D42A27DB-BD31-4B8C-83A1-F6EECF244321}">
+                <p14:modId xmlns:p14="http://schemas.microsoft.com/office/powerpoint/2010/main" val="2024129960"/>
+              </p:ext>
+            </p:extLst>
+          </p:nvPr>
+        </p:nvGraphicFramePr>
+        <p:xfrm>
+          <a:off x="1952625" y="2895600"/>
+          <a:ext cx="6915150" cy="982260"/>
+        </p:xfrm>
+        <a:graphic>
+          <a:graphicData uri="http://schemas.openxmlformats.org/drawingml/2006/diagram">
+            <dgm:relIds xmlns:dgm="http://schemas.openxmlformats.org/drawingml/2006/diagram" xmlns:r="http://schemas.openxmlformats.org/officeDocument/2006/relationships" r:dm="rId3" r:lo="rId4" r:qs="rId5" r:cs="rId6"/>
+          </a:graphicData>
+        </a:graphic>
+      </p:graphicFrame>
+      <p:graphicFrame>
+        <p:nvGraphicFramePr>
+          <p:cNvPr id="22" name="Marcador de contenido 4"/>
+          <p:cNvGraphicFramePr>
+            <a:graphicFrameLocks/>
+          </p:cNvGraphicFramePr>
+          <p:nvPr>
+            <p:extLst>
+              <p:ext uri="{D42A27DB-BD31-4B8C-83A1-F6EECF244321}">
+                <p14:modId xmlns:p14="http://schemas.microsoft.com/office/powerpoint/2010/main" val="4221401150"/>
+              </p:ext>
+            </p:extLst>
+          </p:nvPr>
+        </p:nvGraphicFramePr>
+        <p:xfrm>
+          <a:off x="1905000" y="5331205"/>
+          <a:ext cx="6934200" cy="832655"/>
+        </p:xfrm>
+        <a:graphic>
+          <a:graphicData uri="http://schemas.openxmlformats.org/drawingml/2006/diagram">
+            <dgm:relIds xmlns:dgm="http://schemas.openxmlformats.org/drawingml/2006/diagram" xmlns:r="http://schemas.openxmlformats.org/officeDocument/2006/relationships" r:dm="rId8" r:lo="rId9" r:qs="rId10" r:cs="rId11"/>
+          </a:graphicData>
+        </a:graphic>
+      </p:graphicFrame>
+      <p:graphicFrame>
+        <p:nvGraphicFramePr>
+          <p:cNvPr id="6" name="Diagrama 5"/>
+          <p:cNvGraphicFramePr/>
+          <p:nvPr>
+            <p:extLst>
+              <p:ext uri="{D42A27DB-BD31-4B8C-83A1-F6EECF244321}">
+                <p14:modId xmlns:p14="http://schemas.microsoft.com/office/powerpoint/2010/main" val="1109257787"/>
+              </p:ext>
+            </p:extLst>
+          </p:nvPr>
+        </p:nvGraphicFramePr>
+        <p:xfrm>
+          <a:off x="7848600" y="4258860"/>
+          <a:ext cx="990600" cy="838200"/>
+        </p:xfrm>
+        <a:graphic>
+          <a:graphicData uri="http://schemas.openxmlformats.org/drawingml/2006/diagram">
+            <dgm:relIds xmlns:dgm="http://schemas.openxmlformats.org/drawingml/2006/diagram" xmlns:r="http://schemas.openxmlformats.org/officeDocument/2006/relationships" r:dm="rId13" r:lo="rId14" r:qs="rId15" r:cs="rId16"/>
+          </a:graphicData>
+        </a:graphic>
+      </p:graphicFrame>
+      <p:grpSp>
+        <p:nvGrpSpPr>
+          <p:cNvPr id="24" name="Grupo 23"/>
+          <p:cNvGrpSpPr/>
+          <p:nvPr/>
+        </p:nvGrpSpPr>
+        <p:grpSpPr>
+          <a:xfrm rot="5400000">
+            <a:off x="8248441" y="3943559"/>
+            <a:ext cx="221906" cy="259588"/>
+            <a:chOff x="5551028" y="361335"/>
+            <a:chExt cx="221906" cy="259588"/>
+          </a:xfrm>
+        </p:grpSpPr>
+        <p:sp>
+          <p:nvSpPr>
+            <p:cNvPr id="25" name="Flecha derecha 24"/>
+            <p:cNvSpPr/>
+            <p:nvPr/>
+          </p:nvSpPr>
+          <p:spPr>
+            <a:xfrm>
+              <a:off x="5551028" y="361335"/>
+              <a:ext cx="221906" cy="259588"/>
+            </a:xfrm>
+            <a:prstGeom prst="rightArrow">
+              <a:avLst>
+                <a:gd name="adj1" fmla="val 60000"/>
+                <a:gd name="adj2" fmla="val 50000"/>
+              </a:avLst>
+            </a:prstGeom>
+          </p:spPr>
+          <p:style>
+            <a:lnRef idx="0">
+              <a:schemeClr val="accent1">
+                <a:tint val="60000"/>
+                <a:hueOff val="0"/>
+                <a:satOff val="0"/>
+                <a:lumOff val="0"/>
+                <a:alphaOff val="0"/>
+              </a:schemeClr>
+            </a:lnRef>
+            <a:fillRef idx="1">
+              <a:schemeClr val="accent1">
+                <a:tint val="60000"/>
+                <a:hueOff val="0"/>
+                <a:satOff val="0"/>
+                <a:lumOff val="0"/>
+                <a:alphaOff val="0"/>
+              </a:schemeClr>
+            </a:fillRef>
+            <a:effectRef idx="0">
+              <a:schemeClr val="accent1">
+                <a:tint val="60000"/>
+                <a:hueOff val="0"/>
+                <a:satOff val="0"/>
+                <a:lumOff val="0"/>
+                <a:alphaOff val="0"/>
+              </a:schemeClr>
+            </a:effectRef>
+            <a:fontRef idx="minor">
+              <a:schemeClr val="lt1"/>
+            </a:fontRef>
+          </p:style>
+        </p:sp>
+        <p:sp>
+          <p:nvSpPr>
+            <p:cNvPr id="26" name="Flecha derecha 4"/>
+            <p:cNvSpPr/>
+            <p:nvPr/>
+          </p:nvSpPr>
+          <p:spPr>
+            <a:xfrm>
+              <a:off x="5551028" y="413253"/>
+              <a:ext cx="155334" cy="155752"/>
+            </a:xfrm>
+            <a:prstGeom prst="rect">
+              <a:avLst/>
+            </a:prstGeom>
+          </p:spPr>
+          <p:style>
+            <a:lnRef idx="0">
+              <a:scrgbClr r="0" g="0" b="0"/>
+            </a:lnRef>
+            <a:fillRef idx="0">
+              <a:scrgbClr r="0" g="0" b="0"/>
+            </a:fillRef>
+            <a:effectRef idx="0">
+              <a:scrgbClr r="0" g="0" b="0"/>
+            </a:effectRef>
+            <a:fontRef idx="minor">
+              <a:schemeClr val="lt1"/>
+            </a:fontRef>
+          </p:style>
+          <p:txBody>
+            <a:bodyPr spcFirstLastPara="0" vert="horz" wrap="square" lIns="0" tIns="0" rIns="0" bIns="0" numCol="1" spcCol="1270" anchor="ctr" anchorCtr="0">
+              <a:noAutofit/>
+            </a:bodyPr>
+            <a:lstStyle/>
+            <a:p>
+              <a:pPr lvl="0" algn="ctr" defTabSz="488950">
+                <a:lnSpc>
+                  <a:spcPct val="90000"/>
+                </a:lnSpc>
+                <a:spcBef>
+                  <a:spcPct val="0"/>
+                </a:spcBef>
+                <a:spcAft>
+                  <a:spcPct val="35000"/>
+                </a:spcAft>
+              </a:pPr>
+              <a:endParaRPr lang="es-EC" sz="1100" kern="1200"/>
+            </a:p>
+          </p:txBody>
+        </p:sp>
+      </p:grpSp>
+      <p:grpSp>
+        <p:nvGrpSpPr>
+          <p:cNvPr id="27" name="Grupo 26"/>
+          <p:cNvGrpSpPr/>
+          <p:nvPr/>
+        </p:nvGrpSpPr>
+        <p:grpSpPr>
+          <a:xfrm rot="5400000">
+            <a:off x="8248441" y="5078219"/>
+            <a:ext cx="221906" cy="259588"/>
+            <a:chOff x="5551028" y="361335"/>
+            <a:chExt cx="221906" cy="259588"/>
+          </a:xfrm>
+        </p:grpSpPr>
+        <p:sp>
+          <p:nvSpPr>
+            <p:cNvPr id="28" name="Flecha derecha 27"/>
+            <p:cNvSpPr/>
+            <p:nvPr/>
+          </p:nvSpPr>
+          <p:spPr>
+            <a:xfrm>
+              <a:off x="5551028" y="361335"/>
+              <a:ext cx="221906" cy="259588"/>
+            </a:xfrm>
+            <a:prstGeom prst="rightArrow">
+              <a:avLst>
+                <a:gd name="adj1" fmla="val 60000"/>
+                <a:gd name="adj2" fmla="val 50000"/>
+              </a:avLst>
+            </a:prstGeom>
+          </p:spPr>
+          <p:style>
+            <a:lnRef idx="0">
+              <a:schemeClr val="accent1">
+                <a:tint val="60000"/>
+                <a:hueOff val="0"/>
+                <a:satOff val="0"/>
+                <a:lumOff val="0"/>
+                <a:alphaOff val="0"/>
+              </a:schemeClr>
+            </a:lnRef>
+            <a:fillRef idx="1">
+              <a:schemeClr val="accent1">
+                <a:tint val="60000"/>
+                <a:hueOff val="0"/>
+                <a:satOff val="0"/>
+                <a:lumOff val="0"/>
+                <a:alphaOff val="0"/>
+              </a:schemeClr>
+            </a:fillRef>
+            <a:effectRef idx="0">
+              <a:schemeClr val="accent1">
+                <a:tint val="60000"/>
+                <a:hueOff val="0"/>
+                <a:satOff val="0"/>
+                <a:lumOff val="0"/>
+                <a:alphaOff val="0"/>
+              </a:schemeClr>
+            </a:effectRef>
+            <a:fontRef idx="minor">
+              <a:schemeClr val="lt1"/>
+            </a:fontRef>
+          </p:style>
+        </p:sp>
+        <p:sp>
+          <p:nvSpPr>
+            <p:cNvPr id="29" name="Flecha derecha 4"/>
+            <p:cNvSpPr/>
+            <p:nvPr/>
+          </p:nvSpPr>
+          <p:spPr>
+            <a:xfrm>
+              <a:off x="5551028" y="413253"/>
+              <a:ext cx="155334" cy="155752"/>
+            </a:xfrm>
+            <a:prstGeom prst="rect">
+              <a:avLst/>
+            </a:prstGeom>
+          </p:spPr>
+          <p:style>
+            <a:lnRef idx="0">
+              <a:scrgbClr r="0" g="0" b="0"/>
+            </a:lnRef>
+            <a:fillRef idx="0">
+              <a:scrgbClr r="0" g="0" b="0"/>
+            </a:fillRef>
+            <a:effectRef idx="0">
+              <a:scrgbClr r="0" g="0" b="0"/>
+            </a:effectRef>
+            <a:fontRef idx="minor">
+              <a:schemeClr val="lt1"/>
+            </a:fontRef>
+          </p:style>
+          <p:txBody>
+            <a:bodyPr spcFirstLastPara="0" vert="horz" wrap="square" lIns="0" tIns="0" rIns="0" bIns="0" numCol="1" spcCol="1270" anchor="ctr" anchorCtr="0">
+              <a:noAutofit/>
+            </a:bodyPr>
+            <a:lstStyle/>
+            <a:p>
+              <a:pPr lvl="0" algn="ctr" defTabSz="488950">
+                <a:lnSpc>
+                  <a:spcPct val="90000"/>
+                </a:lnSpc>
+                <a:spcBef>
+                  <a:spcPct val="0"/>
+                </a:spcBef>
+                <a:spcAft>
+                  <a:spcPct val="35000"/>
+                </a:spcAft>
+              </a:pPr>
+              <a:endParaRPr lang="es-EC" sz="1100" kern="1200"/>
+            </a:p>
+          </p:txBody>
+        </p:sp>
+      </p:grpSp>
+    </p:spTree>
+    <p:extLst>
+      <p:ext uri="{BB962C8B-B14F-4D97-AF65-F5344CB8AC3E}">
+        <p14:creationId xmlns:p14="http://schemas.microsoft.com/office/powerpoint/2010/main" val="262739706"/>
+      </p:ext>
+    </p:extLst>
+  </p:cSld>
+  <p:clrMapOvr>
+    <a:masterClrMapping/>
+  </p:clrMapOvr>
+  <p:timing>
+    <p:tnLst>
+      <p:par>
+        <p:cTn id="1" dur="indefinite" restart="never" nodeType="tmRoot"/>
+      </p:par>
+    </p:tnLst>
+  </p:timing>
+</p:sld>
+</file>
+
+<file path=ppt/slides/slide11.xml><?xml version="1.0" encoding="utf-8"?>
+<p:sld xmlns:a="http://schemas.openxmlformats.org/drawingml/2006/main" xmlns:r="http://schemas.openxmlformats.org/officeDocument/2006/relationships" xmlns:p="http://schemas.openxmlformats.org/presentationml/2006/main">
+  <p:cSld>
+    <p:spTree>
+      <p:nvGrpSpPr>
+        <p:cNvPr id="1" name=""/>
+        <p:cNvGrpSpPr/>
+        <p:nvPr/>
+      </p:nvGrpSpPr>
+      <p:grpSpPr>
+        <a:xfrm>
+          <a:off x="0" y="0"/>
+          <a:ext cx="0" cy="0"/>
+          <a:chOff x="0" y="0"/>
+          <a:chExt cx="0" cy="0"/>
+        </a:xfrm>
+      </p:grpSpPr>
+      <p:sp>
+        <p:nvSpPr>
+          <p:cNvPr id="3074" name="Rectangle 4">
+            <a:extLst>
+              <a:ext uri="{FF2B5EF4-FFF2-40B4-BE49-F238E27FC236}">
+                <a16:creationId xmlns:a16="http://schemas.microsoft.com/office/drawing/2014/main" id="{AE8A3DF6-414E-4AFF-B2DF-189B11211C44}"/>
+              </a:ext>
+            </a:extLst>
+          </p:cNvPr>
+          <p:cNvSpPr>
+            <a:spLocks noGrp="1" noChangeArrowheads="1"/>
+          </p:cNvSpPr>
+          <p:nvPr>
+            <p:ph type="title"/>
+          </p:nvPr>
+        </p:nvSpPr>
+        <p:spPr>
+          <a:xfrm>
+            <a:off x="1752600" y="427037"/>
+            <a:ext cx="7315200" cy="715963"/>
+          </a:xfrm>
+          <a:extLst>
+            <a:ext uri="{AF507438-7753-43E0-B8FC-AC1667EBCBE1}">
+              <a14:hiddenEffects xmlns:a14="http://schemas.microsoft.com/office/drawing/2010/main">
+                <a:effectLst>
+                  <a:outerShdw dist="17961" dir="2700000" algn="ctr" rotWithShape="0">
+                    <a:schemeClr val="tx2"/>
+                  </a:outerShdw>
+                </a:effectLst>
+              </a14:hiddenEffects>
+            </a:ext>
+          </a:extLst>
+        </p:spPr>
+        <p:txBody>
+          <a:bodyPr>
+            <a:normAutofit fontScale="90000"/>
+          </a:bodyPr>
+          <a:lstStyle/>
+          <a:p>
+            <a:r>
+              <a:rPr lang="es-EC" altLang="es-EC" sz="3200" b="1" dirty="0"/>
+              <a:t>Diseño en MATLAB de canales con desvanecimiento a pequeña escala</a:t>
+            </a:r>
+            <a:endParaRPr lang="es-EC" altLang="es-EC" sz="3200" b="1" dirty="0">
+              <a:solidFill>
+                <a:srgbClr val="0F1151"/>
+              </a:solidFill>
+            </a:endParaRPr>
+          </a:p>
+        </p:txBody>
+      </p:sp>
+      <p:sp>
+        <p:nvSpPr>
+          <p:cNvPr id="3075" name="Rectangle 5">
+            <a:extLst>
+              <a:ext uri="{FF2B5EF4-FFF2-40B4-BE49-F238E27FC236}">
+                <a16:creationId xmlns:a16="http://schemas.microsoft.com/office/drawing/2014/main" id="{DF6B7314-579F-48C9-AEA5-172961AB63ED}"/>
+              </a:ext>
+            </a:extLst>
+          </p:cNvPr>
+          <p:cNvSpPr>
+            <a:spLocks noGrp="1" noChangeArrowheads="1"/>
+          </p:cNvSpPr>
+          <p:nvPr>
+            <p:ph idx="1"/>
+          </p:nvPr>
+        </p:nvSpPr>
+        <p:spPr>
+          <a:xfrm>
+            <a:off x="1600200" y="1905000"/>
+            <a:ext cx="7315200" cy="4191000"/>
+          </a:xfrm>
+        </p:spPr>
+        <p:txBody>
+          <a:bodyPr/>
+          <a:lstStyle/>
+          <a:p>
+            <a:pPr eaLnBrk="1" hangingPunct="1">
+              <a:lnSpc>
+                <a:spcPct val="80000"/>
+              </a:lnSpc>
+            </a:pPr>
+            <a:r>
+              <a:rPr lang="es-EC" altLang="ko-KR" sz="2000" dirty="0" smtClean="0">
+                <a:ea typeface="굴림" panose="020B0600000101010101" pitchFamily="34" charset="-127"/>
+              </a:rPr>
+              <a:t>Utilizando funciones</a:t>
+            </a:r>
+          </a:p>
+          <a:p>
+            <a:pPr marL="0" indent="0" eaLnBrk="1" hangingPunct="1">
+              <a:lnSpc>
+                <a:spcPct val="80000"/>
+              </a:lnSpc>
+              <a:buNone/>
+            </a:pPr>
+            <a:endParaRPr lang="es-EC" altLang="ko-KR" sz="2000" dirty="0" smtClean="0">
+              <a:solidFill>
+                <a:srgbClr val="0F1151"/>
+              </a:solidFill>
+              <a:latin typeface="Verdana" panose="020B0604030504040204" pitchFamily="34" charset="0"/>
+              <a:ea typeface="굴림" panose="020B0600000101010101" pitchFamily="34" charset="-127"/>
+            </a:endParaRPr>
+          </a:p>
+          <a:p>
+            <a:pPr marL="0" indent="0" eaLnBrk="1" hangingPunct="1">
+              <a:lnSpc>
+                <a:spcPct val="80000"/>
+              </a:lnSpc>
+              <a:buNone/>
+            </a:pPr>
+            <a:endParaRPr lang="es-EC" altLang="ko-KR" sz="2000" dirty="0">
+              <a:ea typeface="굴림" panose="020B0600000101010101" pitchFamily="34" charset="-127"/>
+            </a:endParaRPr>
+          </a:p>
+          <a:p>
+            <a:pPr marL="0" indent="0" eaLnBrk="1" hangingPunct="1">
+              <a:lnSpc>
+                <a:spcPct val="80000"/>
+              </a:lnSpc>
+              <a:buNone/>
+            </a:pPr>
+            <a:endParaRPr lang="es-EC" altLang="ko-KR" sz="2000" dirty="0" smtClean="0">
+              <a:solidFill>
+                <a:srgbClr val="0F1151"/>
+              </a:solidFill>
+              <a:latin typeface="Verdana" panose="020B0604030504040204" pitchFamily="34" charset="0"/>
+              <a:ea typeface="굴림" panose="020B0600000101010101" pitchFamily="34" charset="-127"/>
+            </a:endParaRPr>
+          </a:p>
+          <a:p>
+            <a:pPr marL="0" indent="0" eaLnBrk="1" hangingPunct="1">
+              <a:lnSpc>
+                <a:spcPct val="80000"/>
+              </a:lnSpc>
+              <a:buNone/>
+            </a:pPr>
+            <a:endParaRPr lang="es-EC" altLang="ko-KR" sz="2000" dirty="0">
+              <a:ea typeface="굴림" panose="020B0600000101010101" pitchFamily="34" charset="-127"/>
+            </a:endParaRPr>
+          </a:p>
+          <a:p>
+            <a:pPr marL="0" indent="0" eaLnBrk="1" hangingPunct="1">
+              <a:lnSpc>
+                <a:spcPct val="80000"/>
+              </a:lnSpc>
+              <a:buNone/>
+            </a:pPr>
+            <a:endParaRPr lang="es-EC" altLang="ko-KR" sz="2000" dirty="0" smtClean="0">
+              <a:solidFill>
+                <a:srgbClr val="0F1151"/>
+              </a:solidFill>
+              <a:latin typeface="Verdana" panose="020B0604030504040204" pitchFamily="34" charset="0"/>
+              <a:ea typeface="굴림" panose="020B0600000101010101" pitchFamily="34" charset="-127"/>
+            </a:endParaRPr>
+          </a:p>
+          <a:p>
+            <a:pPr eaLnBrk="1" hangingPunct="1">
+              <a:lnSpc>
+                <a:spcPct val="80000"/>
+              </a:lnSpc>
+            </a:pPr>
+            <a:r>
+              <a:rPr lang="es-EC" altLang="ko-KR" sz="2000" dirty="0" smtClean="0">
+                <a:ea typeface="굴림" panose="020B0600000101010101" pitchFamily="34" charset="-127"/>
+              </a:rPr>
+              <a:t>Creando objetos</a:t>
+            </a:r>
+            <a:endParaRPr lang="es-EC" altLang="ko-KR" sz="2000" dirty="0">
+              <a:solidFill>
+                <a:srgbClr val="0F1151"/>
+              </a:solidFill>
+              <a:latin typeface="Verdana" panose="020B0604030504040204" pitchFamily="34" charset="0"/>
+              <a:ea typeface="굴림" panose="020B0600000101010101" pitchFamily="34" charset="-127"/>
+            </a:endParaRPr>
+          </a:p>
+        </p:txBody>
+      </p:sp>
+      <p:sp>
+        <p:nvSpPr>
+          <p:cNvPr id="2" name="Marcador de número de diapositiva 1">
+            <a:extLst>
+              <a:ext uri="{FF2B5EF4-FFF2-40B4-BE49-F238E27FC236}">
+                <a16:creationId xmlns:a16="http://schemas.microsoft.com/office/drawing/2014/main" id="{A4561E57-382E-4082-9185-B9E5406F6D76}"/>
+              </a:ext>
+            </a:extLst>
+          </p:cNvPr>
+          <p:cNvSpPr>
+            <a:spLocks noGrp="1"/>
+          </p:cNvSpPr>
+          <p:nvPr>
+            <p:ph type="sldNum" sz="quarter" idx="12"/>
+          </p:nvPr>
+        </p:nvSpPr>
+        <p:spPr/>
+        <p:txBody>
+          <a:bodyPr/>
+          <a:lstStyle/>
+          <a:p>
+            <a:fld id="{A2BD2354-8804-4BED-BAB9-075C92A071CC}" type="slidenum">
+              <a:rPr lang="es-EC" smtClean="0"/>
+              <a:t>11</a:t>
+            </a:fld>
+            <a:endParaRPr lang="es-EC" dirty="0"/>
+          </a:p>
+        </p:txBody>
+      </p:sp>
+      <p:sp>
+        <p:nvSpPr>
+          <p:cNvPr id="4" name="Rectangle 4">
+            <a:extLst>
+              <a:ext uri="{FF2B5EF4-FFF2-40B4-BE49-F238E27FC236}">
+                <a16:creationId xmlns:a16="http://schemas.microsoft.com/office/drawing/2014/main" id="{07166D38-EEFA-449B-B20A-7374B427F22A}"/>
+              </a:ext>
+            </a:extLst>
+          </p:cNvPr>
+          <p:cNvSpPr txBox="1">
+            <a:spLocks noChangeArrowheads="1"/>
+          </p:cNvSpPr>
+          <p:nvPr/>
+        </p:nvSpPr>
+        <p:spPr bwMode="auto">
+          <a:xfrm>
+            <a:off x="1752600" y="1265237"/>
+            <a:ext cx="7315200" cy="715963"/>
+          </a:xfrm>
+          <a:prstGeom prst="rect">
+            <a:avLst/>
+          </a:prstGeom>
+          <a:noFill/>
+          <a:ln>
+            <a:noFill/>
+          </a:ln>
+          <a:effectLst/>
+          <a:extLst>
+            <a:ext uri="{909E8E84-426E-40DD-AFC4-6F175D3DCCD1}">
+              <a14:hiddenFill xmlns:a14="http://schemas.microsoft.com/office/drawing/2010/main">
+                <a:solidFill>
+                  <a:schemeClr val="accent1"/>
+                </a:solidFill>
+              </a14:hiddenFill>
+            </a:ext>
+            <a:ext uri="{91240B29-F687-4F45-9708-019B960494DF}">
+              <a14:hiddenLine xmlns:a14="http://schemas.microsoft.com/office/drawing/2010/main" w="9525">
+                <a:solidFill>
+                  <a:schemeClr val="tx1"/>
+                </a:solidFill>
+                <a:miter lim="800000"/>
+                <a:headEnd/>
+                <a:tailEnd/>
+              </a14:hiddenLine>
+            </a:ext>
+            <a:ext uri="{AF507438-7753-43E0-B8FC-AC1667EBCBE1}">
+              <a14:hiddenEffects xmlns:a14="http://schemas.microsoft.com/office/drawing/2010/main">
+                <a:effectLst>
+                  <a:outerShdw dist="17961" dir="2700000" algn="ctr" rotWithShape="0">
+                    <a:schemeClr val="tx2"/>
+                  </a:outerShdw>
+                </a:effectLst>
+              </a14:hiddenEffects>
+            </a:ext>
+          </a:extLst>
+        </p:spPr>
+        <p:txBody>
+          <a:bodyPr vert="horz" wrap="square" lIns="91440" tIns="45720" rIns="91440" bIns="45720" numCol="1" anchor="ctr" anchorCtr="0" compatLnSpc="1">
+            <a:prstTxWarp prst="textNoShape">
+              <a:avLst/>
+            </a:prstTxWarp>
+          </a:bodyPr>
+          <a:lstStyle>
+            <a:lvl1pPr algn="l" rtl="0" eaLnBrk="1" fontAlgn="base" hangingPunct="1">
+              <a:spcBef>
+                <a:spcPct val="0"/>
+              </a:spcBef>
+              <a:spcAft>
+                <a:spcPct val="0"/>
+              </a:spcAft>
+              <a:defRPr sz="4400">
+                <a:solidFill>
+                  <a:schemeClr val="tx1"/>
+                </a:solidFill>
+                <a:latin typeface="+mj-lt"/>
+                <a:ea typeface="+mj-ea"/>
+                <a:cs typeface="+mj-cs"/>
+              </a:defRPr>
+            </a:lvl1pPr>
+            <a:lvl2pPr algn="l" rtl="0" eaLnBrk="1" fontAlgn="base" hangingPunct="1">
+              <a:spcBef>
+                <a:spcPct val="0"/>
+              </a:spcBef>
+              <a:spcAft>
+                <a:spcPct val="0"/>
+              </a:spcAft>
+              <a:defRPr sz="4400">
+                <a:solidFill>
+                  <a:schemeClr val="tx1"/>
+                </a:solidFill>
+                <a:latin typeface="Microsoft Sans Serif" pitchFamily="34" charset="0"/>
+              </a:defRPr>
+            </a:lvl2pPr>
+            <a:lvl3pPr algn="l" rtl="0" eaLnBrk="1" fontAlgn="base" hangingPunct="1">
+              <a:spcBef>
+                <a:spcPct val="0"/>
+              </a:spcBef>
+              <a:spcAft>
+                <a:spcPct val="0"/>
+              </a:spcAft>
+              <a:defRPr sz="4400">
+                <a:solidFill>
+                  <a:schemeClr val="tx1"/>
+                </a:solidFill>
+                <a:latin typeface="Microsoft Sans Serif" pitchFamily="34" charset="0"/>
+              </a:defRPr>
+            </a:lvl3pPr>
+            <a:lvl4pPr algn="l" rtl="0" eaLnBrk="1" fontAlgn="base" hangingPunct="1">
+              <a:spcBef>
+                <a:spcPct val="0"/>
+              </a:spcBef>
+              <a:spcAft>
+                <a:spcPct val="0"/>
+              </a:spcAft>
+              <a:defRPr sz="4400">
+                <a:solidFill>
+                  <a:schemeClr val="tx1"/>
+                </a:solidFill>
+                <a:latin typeface="Microsoft Sans Serif" pitchFamily="34" charset="0"/>
+              </a:defRPr>
+            </a:lvl4pPr>
+            <a:lvl5pPr algn="l" rtl="0" eaLnBrk="1" fontAlgn="base" hangingPunct="1">
+              <a:spcBef>
+                <a:spcPct val="0"/>
+              </a:spcBef>
+              <a:spcAft>
+                <a:spcPct val="0"/>
+              </a:spcAft>
+              <a:defRPr sz="4400">
+                <a:solidFill>
+                  <a:schemeClr val="tx1"/>
+                </a:solidFill>
+                <a:latin typeface="Microsoft Sans Serif" pitchFamily="34" charset="0"/>
+              </a:defRPr>
+            </a:lvl5pPr>
+            <a:lvl6pPr marL="457200" algn="l" rtl="0" eaLnBrk="1" fontAlgn="base" hangingPunct="1">
+              <a:spcBef>
+                <a:spcPct val="0"/>
+              </a:spcBef>
+              <a:spcAft>
+                <a:spcPct val="0"/>
+              </a:spcAft>
+              <a:defRPr sz="4400">
+                <a:solidFill>
+                  <a:schemeClr val="tx1"/>
+                </a:solidFill>
+                <a:latin typeface="Microsoft Sans Serif" pitchFamily="34" charset="0"/>
+              </a:defRPr>
+            </a:lvl6pPr>
+            <a:lvl7pPr marL="914400" algn="l" rtl="0" eaLnBrk="1" fontAlgn="base" hangingPunct="1">
+              <a:spcBef>
+                <a:spcPct val="0"/>
+              </a:spcBef>
+              <a:spcAft>
+                <a:spcPct val="0"/>
+              </a:spcAft>
+              <a:defRPr sz="4400">
+                <a:solidFill>
+                  <a:schemeClr val="tx1"/>
+                </a:solidFill>
+                <a:latin typeface="Microsoft Sans Serif" pitchFamily="34" charset="0"/>
+              </a:defRPr>
+            </a:lvl7pPr>
+            <a:lvl8pPr marL="1371600" algn="l" rtl="0" eaLnBrk="1" fontAlgn="base" hangingPunct="1">
+              <a:spcBef>
+                <a:spcPct val="0"/>
+              </a:spcBef>
+              <a:spcAft>
+                <a:spcPct val="0"/>
+              </a:spcAft>
+              <a:defRPr sz="4400">
+                <a:solidFill>
+                  <a:schemeClr val="tx1"/>
+                </a:solidFill>
+                <a:latin typeface="Microsoft Sans Serif" pitchFamily="34" charset="0"/>
+              </a:defRPr>
+            </a:lvl8pPr>
+            <a:lvl9pPr marL="1828800" algn="l" rtl="0" eaLnBrk="1" fontAlgn="base" hangingPunct="1">
+              <a:spcBef>
+                <a:spcPct val="0"/>
+              </a:spcBef>
+              <a:spcAft>
+                <a:spcPct val="0"/>
+              </a:spcAft>
+              <a:defRPr sz="4400">
+                <a:solidFill>
+                  <a:schemeClr val="tx1"/>
+                </a:solidFill>
+                <a:latin typeface="Microsoft Sans Serif" pitchFamily="34" charset="0"/>
+              </a:defRPr>
+            </a:lvl9pPr>
+          </a:lstStyle>
+          <a:p>
+            <a:r>
+              <a:rPr lang="es-EC" altLang="es-EC" sz="2400" b="1" kern="0" dirty="0" err="1" smtClean="0">
+                <a:solidFill>
+                  <a:srgbClr val="0F1151"/>
+                </a:solidFill>
+                <a:latin typeface="Verdana" panose="020B0604030504040204" pitchFamily="34" charset="0"/>
+                <a:ea typeface="Verdana" panose="020B0604030504040204" pitchFamily="34" charset="0"/>
+                <a:cs typeface="Verdana" panose="020B0604030504040204" pitchFamily="34" charset="0"/>
+              </a:rPr>
+              <a:t>Rayleigh</a:t>
+            </a:r>
+            <a:r>
+              <a:rPr lang="es-EC" altLang="es-EC" sz="2400" b="1" kern="0" dirty="0" smtClean="0">
+                <a:solidFill>
+                  <a:srgbClr val="0F1151"/>
+                </a:solidFill>
+                <a:latin typeface="Verdana" panose="020B0604030504040204" pitchFamily="34" charset="0"/>
+                <a:ea typeface="Verdana" panose="020B0604030504040204" pitchFamily="34" charset="0"/>
+                <a:cs typeface="Verdana" panose="020B0604030504040204" pitchFamily="34" charset="0"/>
+              </a:rPr>
+              <a:t> </a:t>
+            </a:r>
+            <a:r>
+              <a:rPr lang="es-EC" altLang="es-EC" sz="2400" b="1" kern="0" dirty="0" err="1" smtClean="0">
+                <a:solidFill>
+                  <a:srgbClr val="0F1151"/>
+                </a:solidFill>
+                <a:latin typeface="Verdana" panose="020B0604030504040204" pitchFamily="34" charset="0"/>
+                <a:ea typeface="Verdana" panose="020B0604030504040204" pitchFamily="34" charset="0"/>
+                <a:cs typeface="Verdana" panose="020B0604030504040204" pitchFamily="34" charset="0"/>
+              </a:rPr>
+              <a:t>Multitrayecto</a:t>
+            </a:r>
+            <a:r>
+              <a:rPr lang="es-EC" altLang="es-EC" sz="2400" b="1" kern="0" dirty="0" smtClean="0">
+                <a:solidFill>
+                  <a:srgbClr val="0F1151"/>
+                </a:solidFill>
+                <a:latin typeface="Verdana" panose="020B0604030504040204" pitchFamily="34" charset="0"/>
+                <a:ea typeface="Verdana" panose="020B0604030504040204" pitchFamily="34" charset="0"/>
+                <a:cs typeface="Verdana" panose="020B0604030504040204" pitchFamily="34" charset="0"/>
+              </a:rPr>
+              <a:t> (NLOS)</a:t>
+            </a:r>
+            <a:endParaRPr lang="es-EC" altLang="es-EC" sz="2400" b="1" kern="0" dirty="0">
+              <a:solidFill>
+                <a:srgbClr val="0F1151"/>
+              </a:solidFill>
+              <a:latin typeface="Verdana" panose="020B0604030504040204" pitchFamily="34" charset="0"/>
+              <a:ea typeface="Verdana" panose="020B0604030504040204" pitchFamily="34" charset="0"/>
+              <a:cs typeface="Verdana" panose="020B0604030504040204" pitchFamily="34" charset="0"/>
+            </a:endParaRPr>
+          </a:p>
+        </p:txBody>
+      </p:sp>
+      <p:pic>
+        <p:nvPicPr>
+          <p:cNvPr id="5" name="Imagen 4"/>
+          <p:cNvPicPr>
+            <a:picLocks noChangeAspect="1"/>
+          </p:cNvPicPr>
+          <p:nvPr/>
+        </p:nvPicPr>
+        <p:blipFill rotWithShape="1">
+          <a:blip r:embed="rId3"/>
+          <a:srcRect r="45404"/>
+          <a:stretch/>
+        </p:blipFill>
+        <p:spPr>
+          <a:xfrm>
+            <a:off x="2057400" y="2438400"/>
+            <a:ext cx="6062721" cy="1303692"/>
+          </a:xfrm>
+          <a:prstGeom prst="rect">
+            <a:avLst/>
+          </a:prstGeom>
+        </p:spPr>
+      </p:pic>
+      <p:pic>
+        <p:nvPicPr>
+          <p:cNvPr id="11" name="Imagen 10"/>
+          <p:cNvPicPr>
+            <a:picLocks noChangeAspect="1"/>
+          </p:cNvPicPr>
+          <p:nvPr/>
+        </p:nvPicPr>
+        <p:blipFill rotWithShape="1">
+          <a:blip r:embed="rId4"/>
+          <a:srcRect r="51705"/>
+          <a:stretch/>
+        </p:blipFill>
+        <p:spPr>
+          <a:xfrm>
+            <a:off x="2034863" y="4470566"/>
+            <a:ext cx="5585137" cy="1357682"/>
+          </a:xfrm>
+          <a:prstGeom prst="rect">
+            <a:avLst/>
+          </a:prstGeom>
+        </p:spPr>
+      </p:pic>
+    </p:spTree>
+    <p:extLst>
+      <p:ext uri="{BB962C8B-B14F-4D97-AF65-F5344CB8AC3E}">
+        <p14:creationId xmlns:p14="http://schemas.microsoft.com/office/powerpoint/2010/main" val="931775019"/>
+      </p:ext>
+    </p:extLst>
+  </p:cSld>
+  <p:clrMapOvr>
+    <a:masterClrMapping/>
+  </p:clrMapOvr>
+  <p:timing>
+    <p:tnLst>
+      <p:par>
+        <p:cTn id="1" dur="indefinite" restart="never" nodeType="tmRoot"/>
+      </p:par>
+    </p:tnLst>
+  </p:timing>
+</p:sld>
+</file>
+
+<file path=ppt/slides/slide12.xml><?xml version="1.0" encoding="utf-8"?>
+<p:sld xmlns:a="http://schemas.openxmlformats.org/drawingml/2006/main" xmlns:r="http://schemas.openxmlformats.org/officeDocument/2006/relationships" xmlns:p="http://schemas.openxmlformats.org/presentationml/2006/main">
+  <p:cSld>
+    <p:spTree>
+      <p:nvGrpSpPr>
+        <p:cNvPr id="1" name=""/>
+        <p:cNvGrpSpPr/>
+        <p:nvPr/>
+      </p:nvGrpSpPr>
+      <p:grpSpPr>
+        <a:xfrm>
+          <a:off x="0" y="0"/>
+          <a:ext cx="0" cy="0"/>
+          <a:chOff x="0" y="0"/>
+          <a:chExt cx="0" cy="0"/>
+        </a:xfrm>
+      </p:grpSpPr>
+      <p:sp>
+        <p:nvSpPr>
+          <p:cNvPr id="3074" name="Rectangle 4">
+            <a:extLst>
+              <a:ext uri="{FF2B5EF4-FFF2-40B4-BE49-F238E27FC236}">
+                <a16:creationId xmlns:a16="http://schemas.microsoft.com/office/drawing/2014/main" id="{AE8A3DF6-414E-4AFF-B2DF-189B11211C44}"/>
+              </a:ext>
+            </a:extLst>
+          </p:cNvPr>
+          <p:cNvSpPr>
+            <a:spLocks noGrp="1" noChangeArrowheads="1"/>
+          </p:cNvSpPr>
+          <p:nvPr>
+            <p:ph type="title"/>
+          </p:nvPr>
+        </p:nvSpPr>
+        <p:spPr>
+          <a:xfrm>
+            <a:off x="1752600" y="427037"/>
+            <a:ext cx="7315200" cy="715963"/>
+          </a:xfrm>
+          <a:extLst>
+            <a:ext uri="{AF507438-7753-43E0-B8FC-AC1667EBCBE1}">
+              <a14:hiddenEffects xmlns:a14="http://schemas.microsoft.com/office/drawing/2010/main">
+                <a:effectLst>
+                  <a:outerShdw dist="17961" dir="2700000" algn="ctr" rotWithShape="0">
+                    <a:schemeClr val="tx2"/>
+                  </a:outerShdw>
+                </a:effectLst>
+              </a14:hiddenEffects>
+            </a:ext>
+          </a:extLst>
+        </p:spPr>
+        <p:txBody>
+          <a:bodyPr>
+            <a:normAutofit fontScale="90000"/>
+          </a:bodyPr>
+          <a:lstStyle/>
+          <a:p>
+            <a:r>
+              <a:rPr lang="es-EC" altLang="es-EC" sz="3200" b="1" dirty="0"/>
+              <a:t>Diseño en MATLAB de canales con desvanecimiento a pequeña escala</a:t>
+            </a:r>
+            <a:endParaRPr lang="es-EC" altLang="es-EC" sz="3200" b="1" dirty="0">
+              <a:solidFill>
+                <a:srgbClr val="0F1151"/>
+              </a:solidFill>
+            </a:endParaRPr>
+          </a:p>
+        </p:txBody>
+      </p:sp>
+      <p:sp>
+        <p:nvSpPr>
+          <p:cNvPr id="3075" name="Rectangle 5">
+            <a:extLst>
+              <a:ext uri="{FF2B5EF4-FFF2-40B4-BE49-F238E27FC236}">
+                <a16:creationId xmlns:a16="http://schemas.microsoft.com/office/drawing/2014/main" id="{DF6B7314-579F-48C9-AEA5-172961AB63ED}"/>
+              </a:ext>
+            </a:extLst>
+          </p:cNvPr>
+          <p:cNvSpPr>
+            <a:spLocks noGrp="1" noChangeArrowheads="1"/>
+          </p:cNvSpPr>
+          <p:nvPr>
+            <p:ph idx="1"/>
+          </p:nvPr>
+        </p:nvSpPr>
+        <p:spPr>
+          <a:xfrm>
+            <a:off x="1472821" y="2031242"/>
+            <a:ext cx="7315200" cy="4191000"/>
+          </a:xfrm>
+        </p:spPr>
+        <p:txBody>
+          <a:bodyPr/>
+          <a:lstStyle/>
+          <a:p>
+            <a:pPr eaLnBrk="1" hangingPunct="1">
+              <a:lnSpc>
+                <a:spcPct val="80000"/>
+              </a:lnSpc>
+            </a:pPr>
+            <a:r>
+              <a:rPr lang="es-EC" altLang="ko-KR" sz="2000" dirty="0" smtClean="0">
+                <a:ea typeface="굴림" panose="020B0600000101010101" pitchFamily="34" charset="-127"/>
+              </a:rPr>
+              <a:t>Utilizando funciones</a:t>
+            </a:r>
+          </a:p>
+          <a:p>
+            <a:pPr marL="0" indent="0" eaLnBrk="1" hangingPunct="1">
+              <a:lnSpc>
+                <a:spcPct val="80000"/>
+              </a:lnSpc>
+              <a:buNone/>
+            </a:pPr>
+            <a:endParaRPr lang="es-EC" altLang="ko-KR" sz="2000" dirty="0" smtClean="0">
+              <a:solidFill>
+                <a:srgbClr val="0F1151"/>
+              </a:solidFill>
+              <a:latin typeface="Verdana" panose="020B0604030504040204" pitchFamily="34" charset="0"/>
+              <a:ea typeface="굴림" panose="020B0600000101010101" pitchFamily="34" charset="-127"/>
+            </a:endParaRPr>
+          </a:p>
+          <a:p>
+            <a:pPr marL="0" indent="0" eaLnBrk="1" hangingPunct="1">
+              <a:lnSpc>
+                <a:spcPct val="80000"/>
+              </a:lnSpc>
+              <a:buNone/>
+            </a:pPr>
+            <a:endParaRPr lang="es-EC" altLang="ko-KR" sz="2000" dirty="0">
+              <a:ea typeface="굴림" panose="020B0600000101010101" pitchFamily="34" charset="-127"/>
+            </a:endParaRPr>
+          </a:p>
+          <a:p>
+            <a:pPr marL="0" indent="0" eaLnBrk="1" hangingPunct="1">
+              <a:lnSpc>
+                <a:spcPct val="80000"/>
+              </a:lnSpc>
+              <a:buNone/>
+            </a:pPr>
+            <a:endParaRPr lang="es-EC" altLang="ko-KR" sz="2000" dirty="0" smtClean="0">
+              <a:solidFill>
+                <a:srgbClr val="0F1151"/>
+              </a:solidFill>
+              <a:latin typeface="Verdana" panose="020B0604030504040204" pitchFamily="34" charset="0"/>
+              <a:ea typeface="굴림" panose="020B0600000101010101" pitchFamily="34" charset="-127"/>
+            </a:endParaRPr>
+          </a:p>
+          <a:p>
+            <a:pPr marL="0" indent="0" eaLnBrk="1" hangingPunct="1">
+              <a:lnSpc>
+                <a:spcPct val="80000"/>
+              </a:lnSpc>
+              <a:buNone/>
+            </a:pPr>
+            <a:endParaRPr lang="es-EC" altLang="ko-KR" sz="2000" dirty="0">
+              <a:ea typeface="굴림" panose="020B0600000101010101" pitchFamily="34" charset="-127"/>
+            </a:endParaRPr>
+          </a:p>
+          <a:p>
+            <a:pPr marL="0" indent="0" eaLnBrk="1" hangingPunct="1">
+              <a:lnSpc>
+                <a:spcPct val="80000"/>
+              </a:lnSpc>
+              <a:buNone/>
+            </a:pPr>
+            <a:endParaRPr lang="es-EC" altLang="ko-KR" sz="2000" dirty="0" smtClean="0">
+              <a:solidFill>
+                <a:srgbClr val="0F1151"/>
+              </a:solidFill>
+              <a:latin typeface="Verdana" panose="020B0604030504040204" pitchFamily="34" charset="0"/>
+              <a:ea typeface="굴림" panose="020B0600000101010101" pitchFamily="34" charset="-127"/>
+            </a:endParaRPr>
+          </a:p>
+          <a:p>
+            <a:pPr eaLnBrk="1" hangingPunct="1">
+              <a:lnSpc>
+                <a:spcPct val="80000"/>
+              </a:lnSpc>
+            </a:pPr>
+            <a:r>
+              <a:rPr lang="es-EC" altLang="ko-KR" sz="2000" dirty="0" smtClean="0">
+                <a:ea typeface="굴림" panose="020B0600000101010101" pitchFamily="34" charset="-127"/>
+              </a:rPr>
+              <a:t>Creando objetos</a:t>
+            </a:r>
+            <a:endParaRPr lang="es-EC" altLang="ko-KR" sz="2000" dirty="0">
+              <a:solidFill>
+                <a:srgbClr val="0F1151"/>
+              </a:solidFill>
+              <a:latin typeface="Verdana" panose="020B0604030504040204" pitchFamily="34" charset="0"/>
+              <a:ea typeface="굴림" panose="020B0600000101010101" pitchFamily="34" charset="-127"/>
+            </a:endParaRPr>
+          </a:p>
+        </p:txBody>
+      </p:sp>
+      <p:sp>
+        <p:nvSpPr>
+          <p:cNvPr id="2" name="Marcador de número de diapositiva 1">
+            <a:extLst>
+              <a:ext uri="{FF2B5EF4-FFF2-40B4-BE49-F238E27FC236}">
+                <a16:creationId xmlns:a16="http://schemas.microsoft.com/office/drawing/2014/main" id="{A4561E57-382E-4082-9185-B9E5406F6D76}"/>
+              </a:ext>
+            </a:extLst>
+          </p:cNvPr>
+          <p:cNvSpPr>
+            <a:spLocks noGrp="1"/>
+          </p:cNvSpPr>
+          <p:nvPr>
+            <p:ph type="sldNum" sz="quarter" idx="12"/>
+          </p:nvPr>
+        </p:nvSpPr>
+        <p:spPr/>
+        <p:txBody>
+          <a:bodyPr/>
+          <a:lstStyle/>
+          <a:p>
+            <a:fld id="{A2BD2354-8804-4BED-BAB9-075C92A071CC}" type="slidenum">
+              <a:rPr lang="es-EC" smtClean="0"/>
+              <a:t>12</a:t>
+            </a:fld>
+            <a:endParaRPr lang="es-EC" dirty="0"/>
+          </a:p>
+        </p:txBody>
+      </p:sp>
+      <p:sp>
+        <p:nvSpPr>
+          <p:cNvPr id="4" name="Rectangle 4">
+            <a:extLst>
+              <a:ext uri="{FF2B5EF4-FFF2-40B4-BE49-F238E27FC236}">
+                <a16:creationId xmlns:a16="http://schemas.microsoft.com/office/drawing/2014/main" id="{07166D38-EEFA-449B-B20A-7374B427F22A}"/>
+              </a:ext>
+            </a:extLst>
+          </p:cNvPr>
+          <p:cNvSpPr txBox="1">
+            <a:spLocks noChangeArrowheads="1"/>
+          </p:cNvSpPr>
+          <p:nvPr/>
+        </p:nvSpPr>
+        <p:spPr bwMode="auto">
+          <a:xfrm>
+            <a:off x="1752600" y="1265237"/>
+            <a:ext cx="7315200" cy="715963"/>
+          </a:xfrm>
+          <a:prstGeom prst="rect">
+            <a:avLst/>
+          </a:prstGeom>
+          <a:noFill/>
+          <a:ln>
+            <a:noFill/>
+          </a:ln>
+          <a:effectLst/>
+          <a:extLst>
+            <a:ext uri="{909E8E84-426E-40DD-AFC4-6F175D3DCCD1}">
+              <a14:hiddenFill xmlns:a14="http://schemas.microsoft.com/office/drawing/2010/main">
+                <a:solidFill>
+                  <a:schemeClr val="accent1"/>
+                </a:solidFill>
+              </a14:hiddenFill>
+            </a:ext>
+            <a:ext uri="{91240B29-F687-4F45-9708-019B960494DF}">
+              <a14:hiddenLine xmlns:a14="http://schemas.microsoft.com/office/drawing/2010/main" w="9525">
+                <a:solidFill>
+                  <a:schemeClr val="tx1"/>
+                </a:solidFill>
+                <a:miter lim="800000"/>
+                <a:headEnd/>
+                <a:tailEnd/>
+              </a14:hiddenLine>
+            </a:ext>
+            <a:ext uri="{AF507438-7753-43E0-B8FC-AC1667EBCBE1}">
+              <a14:hiddenEffects xmlns:a14="http://schemas.microsoft.com/office/drawing/2010/main">
+                <a:effectLst>
+                  <a:outerShdw dist="17961" dir="2700000" algn="ctr" rotWithShape="0">
+                    <a:schemeClr val="tx2"/>
+                  </a:outerShdw>
+                </a:effectLst>
+              </a14:hiddenEffects>
+            </a:ext>
+          </a:extLst>
+        </p:spPr>
+        <p:txBody>
+          <a:bodyPr vert="horz" wrap="square" lIns="91440" tIns="45720" rIns="91440" bIns="45720" numCol="1" anchor="ctr" anchorCtr="0" compatLnSpc="1">
+            <a:prstTxWarp prst="textNoShape">
+              <a:avLst/>
+            </a:prstTxWarp>
+          </a:bodyPr>
+          <a:lstStyle>
+            <a:lvl1pPr algn="l" rtl="0" eaLnBrk="1" fontAlgn="base" hangingPunct="1">
+              <a:spcBef>
+                <a:spcPct val="0"/>
+              </a:spcBef>
+              <a:spcAft>
+                <a:spcPct val="0"/>
+              </a:spcAft>
+              <a:defRPr sz="4400">
+                <a:solidFill>
+                  <a:schemeClr val="tx1"/>
+                </a:solidFill>
+                <a:latin typeface="+mj-lt"/>
+                <a:ea typeface="+mj-ea"/>
+                <a:cs typeface="+mj-cs"/>
+              </a:defRPr>
+            </a:lvl1pPr>
+            <a:lvl2pPr algn="l" rtl="0" eaLnBrk="1" fontAlgn="base" hangingPunct="1">
+              <a:spcBef>
+                <a:spcPct val="0"/>
+              </a:spcBef>
+              <a:spcAft>
+                <a:spcPct val="0"/>
+              </a:spcAft>
+              <a:defRPr sz="4400">
+                <a:solidFill>
+                  <a:schemeClr val="tx1"/>
+                </a:solidFill>
+                <a:latin typeface="Microsoft Sans Serif" pitchFamily="34" charset="0"/>
+              </a:defRPr>
+            </a:lvl2pPr>
+            <a:lvl3pPr algn="l" rtl="0" eaLnBrk="1" fontAlgn="base" hangingPunct="1">
+              <a:spcBef>
+                <a:spcPct val="0"/>
+              </a:spcBef>
+              <a:spcAft>
+                <a:spcPct val="0"/>
+              </a:spcAft>
+              <a:defRPr sz="4400">
+                <a:solidFill>
+                  <a:schemeClr val="tx1"/>
+                </a:solidFill>
+                <a:latin typeface="Microsoft Sans Serif" pitchFamily="34" charset="0"/>
+              </a:defRPr>
+            </a:lvl3pPr>
+            <a:lvl4pPr algn="l" rtl="0" eaLnBrk="1" fontAlgn="base" hangingPunct="1">
+              <a:spcBef>
+                <a:spcPct val="0"/>
+              </a:spcBef>
+              <a:spcAft>
+                <a:spcPct val="0"/>
+              </a:spcAft>
+              <a:defRPr sz="4400">
+                <a:solidFill>
+                  <a:schemeClr val="tx1"/>
+                </a:solidFill>
+                <a:latin typeface="Microsoft Sans Serif" pitchFamily="34" charset="0"/>
+              </a:defRPr>
+            </a:lvl4pPr>
+            <a:lvl5pPr algn="l" rtl="0" eaLnBrk="1" fontAlgn="base" hangingPunct="1">
+              <a:spcBef>
+                <a:spcPct val="0"/>
+              </a:spcBef>
+              <a:spcAft>
+                <a:spcPct val="0"/>
+              </a:spcAft>
+              <a:defRPr sz="4400">
+                <a:solidFill>
+                  <a:schemeClr val="tx1"/>
+                </a:solidFill>
+                <a:latin typeface="Microsoft Sans Serif" pitchFamily="34" charset="0"/>
+              </a:defRPr>
+            </a:lvl5pPr>
+            <a:lvl6pPr marL="457200" algn="l" rtl="0" eaLnBrk="1" fontAlgn="base" hangingPunct="1">
+              <a:spcBef>
+                <a:spcPct val="0"/>
+              </a:spcBef>
+              <a:spcAft>
+                <a:spcPct val="0"/>
+              </a:spcAft>
+              <a:defRPr sz="4400">
+                <a:solidFill>
+                  <a:schemeClr val="tx1"/>
+                </a:solidFill>
+                <a:latin typeface="Microsoft Sans Serif" pitchFamily="34" charset="0"/>
+              </a:defRPr>
+            </a:lvl6pPr>
+            <a:lvl7pPr marL="914400" algn="l" rtl="0" eaLnBrk="1" fontAlgn="base" hangingPunct="1">
+              <a:spcBef>
+                <a:spcPct val="0"/>
+              </a:spcBef>
+              <a:spcAft>
+                <a:spcPct val="0"/>
+              </a:spcAft>
+              <a:defRPr sz="4400">
+                <a:solidFill>
+                  <a:schemeClr val="tx1"/>
+                </a:solidFill>
+                <a:latin typeface="Microsoft Sans Serif" pitchFamily="34" charset="0"/>
+              </a:defRPr>
+            </a:lvl7pPr>
+            <a:lvl8pPr marL="1371600" algn="l" rtl="0" eaLnBrk="1" fontAlgn="base" hangingPunct="1">
+              <a:spcBef>
+                <a:spcPct val="0"/>
+              </a:spcBef>
+              <a:spcAft>
+                <a:spcPct val="0"/>
+              </a:spcAft>
+              <a:defRPr sz="4400">
+                <a:solidFill>
+                  <a:schemeClr val="tx1"/>
+                </a:solidFill>
+                <a:latin typeface="Microsoft Sans Serif" pitchFamily="34" charset="0"/>
+              </a:defRPr>
+            </a:lvl8pPr>
+            <a:lvl9pPr marL="1828800" algn="l" rtl="0" eaLnBrk="1" fontAlgn="base" hangingPunct="1">
+              <a:spcBef>
+                <a:spcPct val="0"/>
+              </a:spcBef>
+              <a:spcAft>
+                <a:spcPct val="0"/>
+              </a:spcAft>
+              <a:defRPr sz="4400">
+                <a:solidFill>
+                  <a:schemeClr val="tx1"/>
+                </a:solidFill>
+                <a:latin typeface="Microsoft Sans Serif" pitchFamily="34" charset="0"/>
+              </a:defRPr>
+            </a:lvl9pPr>
+          </a:lstStyle>
+          <a:p>
+            <a:r>
+              <a:rPr lang="es-EC" altLang="es-EC" sz="2400" b="1" kern="0" dirty="0" err="1" smtClean="0">
+                <a:solidFill>
+                  <a:srgbClr val="0F1151"/>
+                </a:solidFill>
+                <a:latin typeface="Verdana" panose="020B0604030504040204" pitchFamily="34" charset="0"/>
+                <a:ea typeface="Verdana" panose="020B0604030504040204" pitchFamily="34" charset="0"/>
+                <a:cs typeface="Verdana" panose="020B0604030504040204" pitchFamily="34" charset="0"/>
+              </a:rPr>
+              <a:t>Rician</a:t>
+            </a:r>
+            <a:r>
+              <a:rPr lang="es-EC" altLang="es-EC" sz="2400" b="1" kern="0" dirty="0" smtClean="0">
+                <a:solidFill>
+                  <a:srgbClr val="0F1151"/>
+                </a:solidFill>
+                <a:latin typeface="Verdana" panose="020B0604030504040204" pitchFamily="34" charset="0"/>
+                <a:ea typeface="Verdana" panose="020B0604030504040204" pitchFamily="34" charset="0"/>
+                <a:cs typeface="Verdana" panose="020B0604030504040204" pitchFamily="34" charset="0"/>
+              </a:rPr>
+              <a:t> </a:t>
+            </a:r>
+            <a:r>
+              <a:rPr lang="es-EC" altLang="es-EC" sz="2400" b="1" kern="0" dirty="0" err="1" smtClean="0">
+                <a:solidFill>
+                  <a:srgbClr val="0F1151"/>
+                </a:solidFill>
+                <a:latin typeface="Verdana" panose="020B0604030504040204" pitchFamily="34" charset="0"/>
+                <a:ea typeface="Verdana" panose="020B0604030504040204" pitchFamily="34" charset="0"/>
+                <a:cs typeface="Verdana" panose="020B0604030504040204" pitchFamily="34" charset="0"/>
+              </a:rPr>
+              <a:t>Multitrayecto</a:t>
+            </a:r>
+            <a:r>
+              <a:rPr lang="es-EC" altLang="es-EC" sz="2400" b="1" kern="0" dirty="0" smtClean="0">
+                <a:solidFill>
+                  <a:srgbClr val="0F1151"/>
+                </a:solidFill>
+                <a:latin typeface="Verdana" panose="020B0604030504040204" pitchFamily="34" charset="0"/>
+                <a:ea typeface="Verdana" panose="020B0604030504040204" pitchFamily="34" charset="0"/>
+                <a:cs typeface="Verdana" panose="020B0604030504040204" pitchFamily="34" charset="0"/>
+              </a:rPr>
+              <a:t> (LOS)</a:t>
+            </a:r>
+            <a:endParaRPr lang="es-EC" altLang="es-EC" sz="2400" b="1" kern="0" dirty="0">
+              <a:solidFill>
+                <a:srgbClr val="0F1151"/>
+              </a:solidFill>
+              <a:latin typeface="Verdana" panose="020B0604030504040204" pitchFamily="34" charset="0"/>
+              <a:ea typeface="Verdana" panose="020B0604030504040204" pitchFamily="34" charset="0"/>
+              <a:cs typeface="Verdana" panose="020B0604030504040204" pitchFamily="34" charset="0"/>
+            </a:endParaRPr>
+          </a:p>
+        </p:txBody>
+      </p:sp>
+      <p:pic>
+        <p:nvPicPr>
+          <p:cNvPr id="9" name="Imagen 8"/>
+          <p:cNvPicPr>
+            <a:picLocks noChangeAspect="1"/>
+          </p:cNvPicPr>
+          <p:nvPr/>
+        </p:nvPicPr>
+        <p:blipFill rotWithShape="1">
+          <a:blip r:embed="rId3"/>
+          <a:srcRect r="44255"/>
+          <a:stretch/>
+        </p:blipFill>
+        <p:spPr>
+          <a:xfrm>
+            <a:off x="2075575" y="2391556"/>
+            <a:ext cx="5773025" cy="1418444"/>
+          </a:xfrm>
+          <a:prstGeom prst="rect">
+            <a:avLst/>
+          </a:prstGeom>
+        </p:spPr>
+      </p:pic>
+      <p:pic>
+        <p:nvPicPr>
+          <p:cNvPr id="12" name="Imagen 11"/>
+          <p:cNvPicPr>
+            <a:picLocks noChangeAspect="1"/>
+          </p:cNvPicPr>
+          <p:nvPr/>
+        </p:nvPicPr>
+        <p:blipFill rotWithShape="1">
+          <a:blip r:embed="rId4"/>
+          <a:srcRect r="29274"/>
+          <a:stretch/>
+        </p:blipFill>
+        <p:spPr>
+          <a:xfrm>
+            <a:off x="1219200" y="4495800"/>
+            <a:ext cx="7713826" cy="1493837"/>
+          </a:xfrm>
+          <a:prstGeom prst="rect">
+            <a:avLst/>
+          </a:prstGeom>
+        </p:spPr>
+      </p:pic>
+    </p:spTree>
+    <p:extLst>
+      <p:ext uri="{BB962C8B-B14F-4D97-AF65-F5344CB8AC3E}">
+        <p14:creationId xmlns:p14="http://schemas.microsoft.com/office/powerpoint/2010/main" val="687700688"/>
+      </p:ext>
+    </p:extLst>
+  </p:cSld>
+  <p:clrMapOvr>
+    <a:masterClrMapping/>
+  </p:clrMapOvr>
+  <p:timing>
+    <p:tnLst>
+      <p:par>
+        <p:cTn id="1" dur="indefinite" restart="never" nodeType="tmRoot"/>
+      </p:par>
+    </p:tnLst>
+  </p:timing>
+</p:sld>
+</file>
+
+<file path=ppt/slides/slide13.xml><?xml version="1.0" encoding="utf-8"?>
+<p:sld xmlns:a="http://schemas.openxmlformats.org/drawingml/2006/main" xmlns:r="http://schemas.openxmlformats.org/officeDocument/2006/relationships" xmlns:p="http://schemas.openxmlformats.org/presentationml/2006/main">
+  <p:cSld>
+    <p:spTree>
+      <p:nvGrpSpPr>
+        <p:cNvPr id="1" name=""/>
+        <p:cNvGrpSpPr/>
+        <p:nvPr/>
+      </p:nvGrpSpPr>
+      <p:grpSpPr>
+        <a:xfrm>
+          <a:off x="0" y="0"/>
+          <a:ext cx="0" cy="0"/>
+          <a:chOff x="0" y="0"/>
+          <a:chExt cx="0" cy="0"/>
+        </a:xfrm>
+      </p:grpSpPr>
+      <p:sp>
+        <p:nvSpPr>
+          <p:cNvPr id="2" name="Título 1"/>
+          <p:cNvSpPr>
+            <a:spLocks noGrp="1"/>
+          </p:cNvSpPr>
+          <p:nvPr>
+            <p:ph type="title"/>
+          </p:nvPr>
+        </p:nvSpPr>
+        <p:spPr/>
+        <p:txBody>
+          <a:bodyPr/>
+          <a:lstStyle/>
+          <a:p>
+            <a:pPr algn="ctr"/>
+            <a:r>
+              <a:rPr lang="es-EC" altLang="es-EC" sz="3600" b="1" dirty="0" smtClean="0"/>
+              <a:t>RESULTADOS</a:t>
+            </a:r>
+            <a:endParaRPr lang="en-US" dirty="0"/>
+          </a:p>
+        </p:txBody>
+      </p:sp>
+      <p:sp>
+        <p:nvSpPr>
+          <p:cNvPr id="3" name="Marcador de número de diapositiva 2"/>
+          <p:cNvSpPr>
+            <a:spLocks noGrp="1"/>
+          </p:cNvSpPr>
+          <p:nvPr>
+            <p:ph type="sldNum" sz="quarter" idx="12"/>
+          </p:nvPr>
+        </p:nvSpPr>
+        <p:spPr/>
+        <p:txBody>
+          <a:bodyPr/>
+          <a:lstStyle/>
+          <a:p>
+            <a:fld id="{A2BD2354-8804-4BED-BAB9-075C92A071CC}" type="slidenum">
+              <a:rPr lang="es-EC" smtClean="0"/>
+              <a:pPr/>
+              <a:t>13</a:t>
+            </a:fld>
+            <a:endParaRPr lang="es-EC" dirty="0"/>
+          </a:p>
+        </p:txBody>
+      </p:sp>
+    </p:spTree>
+    <p:extLst>
+      <p:ext uri="{BB962C8B-B14F-4D97-AF65-F5344CB8AC3E}">
+        <p14:creationId xmlns:p14="http://schemas.microsoft.com/office/powerpoint/2010/main" val="2199529611"/>
+      </p:ext>
+    </p:extLst>
+  </p:cSld>
+  <p:clrMapOvr>
+    <a:masterClrMapping/>
+  </p:clrMapOvr>
+</p:sld>
+</file>
+
+<file path=ppt/slides/slide14.xml><?xml version="1.0" encoding="utf-8"?>
 <p:sld xmlns:a="http://schemas.openxmlformats.org/drawingml/2006/main" xmlns:r="http://schemas.openxmlformats.org/officeDocument/2006/relationships" xmlns:p="http://schemas.openxmlformats.org/presentationml/2006/main">
   <p:cSld>
     <p:spTree>
@@ -19584,7 +21378,7 @@
           <a:p>
             <a:fld id="{A2BD2354-8804-4BED-BAB9-075C92A071CC}" type="slidenum">
               <a:rPr lang="es-EC" smtClean="0"/>
-              <a:t>10</a:t>
+              <a:t>14</a:t>
             </a:fld>
             <a:endParaRPr lang="es-EC" dirty="0"/>
           </a:p>
@@ -21577,7 +23371,7 @@
 </p:sld>
 </file>
 
-<file path=ppt/slides/slide11.xml><?xml version="1.0" encoding="utf-8"?>
+<file path=ppt/slides/slide15.xml><?xml version="1.0" encoding="utf-8"?>
 <p:sld xmlns:a="http://schemas.openxmlformats.org/drawingml/2006/main" xmlns:r="http://schemas.openxmlformats.org/officeDocument/2006/relationships" xmlns:p="http://schemas.openxmlformats.org/presentationml/2006/main">
   <p:cSld>
     <p:spTree>
@@ -21668,7 +23462,7 @@
           <a:p>
             <a:fld id="{A2BD2354-8804-4BED-BAB9-075C92A071CC}" type="slidenum">
               <a:rPr lang="es-EC" smtClean="0"/>
-              <a:t>11</a:t>
+              <a:t>15</a:t>
             </a:fld>
             <a:endParaRPr lang="es-EC" dirty="0"/>
           </a:p>
@@ -22088,7 +23882,7 @@
 </p:sld>
 </file>
 
-<file path=ppt/slides/slide12.xml><?xml version="1.0" encoding="utf-8"?>
+<file path=ppt/slides/slide16.xml><?xml version="1.0" encoding="utf-8"?>
 <p:sld xmlns:a="http://schemas.openxmlformats.org/drawingml/2006/main" xmlns:r="http://schemas.openxmlformats.org/officeDocument/2006/relationships" xmlns:p="http://schemas.openxmlformats.org/presentationml/2006/main">
   <p:cSld>
     <p:spTree>
@@ -22179,7 +23973,7 @@
           <a:p>
             <a:fld id="{A2BD2354-8804-4BED-BAB9-075C92A071CC}" type="slidenum">
               <a:rPr lang="es-EC" smtClean="0"/>
-              <a:t>12</a:t>
+              <a:t>16</a:t>
             </a:fld>
             <a:endParaRPr lang="es-EC" dirty="0"/>
           </a:p>
@@ -22590,7 +24384,7 @@
 </p:sld>
 </file>
 
-<file path=ppt/slides/slide13.xml><?xml version="1.0" encoding="utf-8"?>
+<file path=ppt/slides/slide17.xml><?xml version="1.0" encoding="utf-8"?>
 <p:sld xmlns:a="http://schemas.openxmlformats.org/drawingml/2006/main" xmlns:r="http://schemas.openxmlformats.org/officeDocument/2006/relationships" xmlns:p="http://schemas.openxmlformats.org/presentationml/2006/main">
   <p:cSld>
     <p:spTree>
@@ -22681,7 +24475,7 @@
           <a:p>
             <a:fld id="{A2BD2354-8804-4BED-BAB9-075C92A071CC}" type="slidenum">
               <a:rPr lang="es-EC" smtClean="0"/>
-              <a:t>13</a:t>
+              <a:t>17</a:t>
             </a:fld>
             <a:endParaRPr lang="es-EC" dirty="0"/>
           </a:p>
@@ -23101,7 +24895,85 @@
 </p:sld>
 </file>
 
-<file path=ppt/slides/slide14.xml><?xml version="1.0" encoding="utf-8"?>
+<file path=ppt/slides/slide18.xml><?xml version="1.0" encoding="utf-8"?>
+<p:sld xmlns:a="http://schemas.openxmlformats.org/drawingml/2006/main" xmlns:r="http://schemas.openxmlformats.org/officeDocument/2006/relationships" xmlns:p="http://schemas.openxmlformats.org/presentationml/2006/main">
+  <p:cSld>
+    <p:spTree>
+      <p:nvGrpSpPr>
+        <p:cNvPr id="1" name=""/>
+        <p:cNvGrpSpPr/>
+        <p:nvPr/>
+      </p:nvGrpSpPr>
+      <p:grpSpPr>
+        <a:xfrm>
+          <a:off x="0" y="0"/>
+          <a:ext cx="0" cy="0"/>
+          <a:chOff x="0" y="0"/>
+          <a:chExt cx="0" cy="0"/>
+        </a:xfrm>
+      </p:grpSpPr>
+      <p:sp>
+        <p:nvSpPr>
+          <p:cNvPr id="2" name="Título 1"/>
+          <p:cNvSpPr>
+            <a:spLocks noGrp="1"/>
+          </p:cNvSpPr>
+          <p:nvPr>
+            <p:ph type="title"/>
+          </p:nvPr>
+        </p:nvSpPr>
+        <p:spPr/>
+        <p:txBody>
+          <a:bodyPr/>
+          <a:lstStyle/>
+          <a:p>
+            <a:pPr algn="ctr"/>
+            <a:r>
+              <a:rPr lang="es-EC" altLang="es-EC" sz="3600" b="1" dirty="0" smtClean="0"/>
+              <a:t>CONCLUSIONES</a:t>
+            </a:r>
+            <a:endParaRPr lang="en-US" dirty="0"/>
+          </a:p>
+        </p:txBody>
+      </p:sp>
+      <p:sp>
+        <p:nvSpPr>
+          <p:cNvPr id="3" name="Marcador de número de diapositiva 2"/>
+          <p:cNvSpPr>
+            <a:spLocks noGrp="1"/>
+          </p:cNvSpPr>
+          <p:nvPr>
+            <p:ph type="sldNum" sz="quarter" idx="12"/>
+          </p:nvPr>
+        </p:nvSpPr>
+        <p:spPr/>
+        <p:txBody>
+          <a:bodyPr/>
+          <a:lstStyle/>
+          <a:p>
+            <a:fld id="{A2BD2354-8804-4BED-BAB9-075C92A071CC}" type="slidenum">
+              <a:rPr lang="es-EC" smtClean="0"/>
+              <a:pPr/>
+              <a:t>18</a:t>
+            </a:fld>
+            <a:endParaRPr lang="es-EC" dirty="0"/>
+          </a:p>
+        </p:txBody>
+      </p:sp>
+    </p:spTree>
+    <p:extLst>
+      <p:ext uri="{BB962C8B-B14F-4D97-AF65-F5344CB8AC3E}">
+        <p14:creationId xmlns:p14="http://schemas.microsoft.com/office/powerpoint/2010/main" val="415743260"/>
+      </p:ext>
+    </p:extLst>
+  </p:cSld>
+  <p:clrMapOvr>
+    <a:masterClrMapping/>
+  </p:clrMapOvr>
+</p:sld>
+</file>
+
+<file path=ppt/slides/slide19.xml><?xml version="1.0" encoding="utf-8"?>
 <p:sld xmlns:a="http://schemas.openxmlformats.org/drawingml/2006/main" xmlns:r="http://schemas.openxmlformats.org/officeDocument/2006/relationships" xmlns:p="http://schemas.openxmlformats.org/presentationml/2006/main">
   <p:cSld>
     <p:spTree>
@@ -23257,7 +25129,7 @@
           <a:p>
             <a:fld id="{A2BD2354-8804-4BED-BAB9-075C92A071CC}" type="slidenum">
               <a:rPr lang="es-EC" smtClean="0"/>
-              <a:t>14</a:t>
+              <a:t>19</a:t>
             </a:fld>
             <a:endParaRPr lang="es-EC" dirty="0"/>
           </a:p>
@@ -23283,7 +25155,85 @@
 </p:sld>
 </file>
 
-<file path=ppt/slides/slide15.xml><?xml version="1.0" encoding="utf-8"?>
+<file path=ppt/slides/slide2.xml><?xml version="1.0" encoding="utf-8"?>
+<p:sld xmlns:a="http://schemas.openxmlformats.org/drawingml/2006/main" xmlns:r="http://schemas.openxmlformats.org/officeDocument/2006/relationships" xmlns:p="http://schemas.openxmlformats.org/presentationml/2006/main">
+  <p:cSld>
+    <p:spTree>
+      <p:nvGrpSpPr>
+        <p:cNvPr id="1" name=""/>
+        <p:cNvGrpSpPr/>
+        <p:nvPr/>
+      </p:nvGrpSpPr>
+      <p:grpSpPr>
+        <a:xfrm>
+          <a:off x="0" y="0"/>
+          <a:ext cx="0" cy="0"/>
+          <a:chOff x="0" y="0"/>
+          <a:chExt cx="0" cy="0"/>
+        </a:xfrm>
+      </p:grpSpPr>
+      <p:sp>
+        <p:nvSpPr>
+          <p:cNvPr id="2" name="Título 1"/>
+          <p:cNvSpPr>
+            <a:spLocks noGrp="1"/>
+          </p:cNvSpPr>
+          <p:nvPr>
+            <p:ph type="title"/>
+          </p:nvPr>
+        </p:nvSpPr>
+        <p:spPr/>
+        <p:txBody>
+          <a:bodyPr/>
+          <a:lstStyle/>
+          <a:p>
+            <a:pPr algn="ctr"/>
+            <a:r>
+              <a:rPr lang="es-EC" altLang="es-EC" sz="3600" b="1" dirty="0" smtClean="0"/>
+              <a:t>MOTIVACIÓN</a:t>
+            </a:r>
+            <a:endParaRPr lang="en-US" dirty="0"/>
+          </a:p>
+        </p:txBody>
+      </p:sp>
+      <p:sp>
+        <p:nvSpPr>
+          <p:cNvPr id="3" name="Marcador de número de diapositiva 2"/>
+          <p:cNvSpPr>
+            <a:spLocks noGrp="1"/>
+          </p:cNvSpPr>
+          <p:nvPr>
+            <p:ph type="sldNum" sz="quarter" idx="12"/>
+          </p:nvPr>
+        </p:nvSpPr>
+        <p:spPr/>
+        <p:txBody>
+          <a:bodyPr/>
+          <a:lstStyle/>
+          <a:p>
+            <a:fld id="{A2BD2354-8804-4BED-BAB9-075C92A071CC}" type="slidenum">
+              <a:rPr lang="es-EC" smtClean="0"/>
+              <a:pPr/>
+              <a:t>2</a:t>
+            </a:fld>
+            <a:endParaRPr lang="es-EC" dirty="0"/>
+          </a:p>
+        </p:txBody>
+      </p:sp>
+    </p:spTree>
+    <p:extLst>
+      <p:ext uri="{BB962C8B-B14F-4D97-AF65-F5344CB8AC3E}">
+        <p14:creationId xmlns:p14="http://schemas.microsoft.com/office/powerpoint/2010/main" val="3593831863"/>
+      </p:ext>
+    </p:extLst>
+  </p:cSld>
+  <p:clrMapOvr>
+    <a:masterClrMapping/>
+  </p:clrMapOvr>
+</p:sld>
+</file>
+
+<file path=ppt/slides/slide20.xml><?xml version="1.0" encoding="utf-8"?>
 <p:sld xmlns:a="http://schemas.openxmlformats.org/drawingml/2006/main" xmlns:r="http://schemas.openxmlformats.org/officeDocument/2006/relationships" xmlns:p="http://schemas.openxmlformats.org/presentationml/2006/main">
   <p:cSld>
     <p:spTree>
@@ -23443,7 +25393,7 @@
           <a:p>
             <a:fld id="{A2BD2354-8804-4BED-BAB9-075C92A071CC}" type="slidenum">
               <a:rPr lang="es-EC" smtClean="0"/>
-              <a:t>15</a:t>
+              <a:t>20</a:t>
             </a:fld>
             <a:endParaRPr lang="es-EC" dirty="0"/>
           </a:p>
@@ -23469,7 +25419,7 @@
 </p:sld>
 </file>
 
-<file path=ppt/slides/slide16.xml><?xml version="1.0" encoding="utf-8"?>
+<file path=ppt/slides/slide21.xml><?xml version="1.0" encoding="utf-8"?>
 <p:sld xmlns:a="http://schemas.openxmlformats.org/drawingml/2006/main" xmlns:r="http://schemas.openxmlformats.org/officeDocument/2006/relationships" xmlns:p="http://schemas.openxmlformats.org/presentationml/2006/main">
   <p:cSld>
     <p:spTree>
@@ -23533,7 +25483,7 @@
             <a:fld id="{A2BD2354-8804-4BED-BAB9-075C92A071CC}" type="slidenum">
               <a:rPr lang="es-EC" smtClean="0"/>
               <a:pPr/>
-              <a:t>16</a:t>
+              <a:t>21</a:t>
             </a:fld>
             <a:endParaRPr lang="es-EC" dirty="0"/>
           </a:p>
@@ -23690,7 +25640,7 @@
 </p:sld>
 </file>
 
-<file path=ppt/slides/slide2.xml><?xml version="1.0" encoding="utf-8"?>
+<file path=ppt/slides/slide3.xml><?xml version="1.0" encoding="utf-8"?>
 <p:sld xmlns:a="http://schemas.openxmlformats.org/drawingml/2006/main" xmlns:r="http://schemas.openxmlformats.org/officeDocument/2006/relationships" xmlns:p="http://schemas.openxmlformats.org/presentationml/2006/main">
   <p:cSld>
     <p:bg>
@@ -23906,7 +25856,7 @@
           <a:p>
             <a:fld id="{A2BD2354-8804-4BED-BAB9-075C92A071CC}" type="slidenum">
               <a:rPr lang="es-EC" smtClean="0"/>
-              <a:t>2</a:t>
+              <a:t>3</a:t>
             </a:fld>
             <a:endParaRPr lang="es-EC" dirty="0"/>
           </a:p>
@@ -23927,7 +25877,85 @@
 </p:sld>
 </file>
 
-<file path=ppt/slides/slide3.xml><?xml version="1.0" encoding="utf-8"?>
+<file path=ppt/slides/slide4.xml><?xml version="1.0" encoding="utf-8"?>
+<p:sld xmlns:a="http://schemas.openxmlformats.org/drawingml/2006/main" xmlns:r="http://schemas.openxmlformats.org/officeDocument/2006/relationships" xmlns:p="http://schemas.openxmlformats.org/presentationml/2006/main">
+  <p:cSld>
+    <p:spTree>
+      <p:nvGrpSpPr>
+        <p:cNvPr id="1" name=""/>
+        <p:cNvGrpSpPr/>
+        <p:nvPr/>
+      </p:nvGrpSpPr>
+      <p:grpSpPr>
+        <a:xfrm>
+          <a:off x="0" y="0"/>
+          <a:ext cx="0" cy="0"/>
+          <a:chOff x="0" y="0"/>
+          <a:chExt cx="0" cy="0"/>
+        </a:xfrm>
+      </p:grpSpPr>
+      <p:sp>
+        <p:nvSpPr>
+          <p:cNvPr id="2" name="Título 1"/>
+          <p:cNvSpPr>
+            <a:spLocks noGrp="1"/>
+          </p:cNvSpPr>
+          <p:nvPr>
+            <p:ph type="title"/>
+          </p:nvPr>
+        </p:nvSpPr>
+        <p:spPr/>
+        <p:txBody>
+          <a:bodyPr/>
+          <a:lstStyle/>
+          <a:p>
+            <a:pPr algn="ctr"/>
+            <a:r>
+              <a:rPr lang="es-EC" altLang="es-EC" sz="3600" b="1" dirty="0" smtClean="0"/>
+              <a:t>DESVANECIMIENTO  A PEQUEÑA ESCALA</a:t>
+            </a:r>
+            <a:endParaRPr lang="en-US" dirty="0"/>
+          </a:p>
+        </p:txBody>
+      </p:sp>
+      <p:sp>
+        <p:nvSpPr>
+          <p:cNvPr id="3" name="Marcador de número de diapositiva 2"/>
+          <p:cNvSpPr>
+            <a:spLocks noGrp="1"/>
+          </p:cNvSpPr>
+          <p:nvPr>
+            <p:ph type="sldNum" sz="quarter" idx="12"/>
+          </p:nvPr>
+        </p:nvSpPr>
+        <p:spPr/>
+        <p:txBody>
+          <a:bodyPr/>
+          <a:lstStyle/>
+          <a:p>
+            <a:fld id="{A2BD2354-8804-4BED-BAB9-075C92A071CC}" type="slidenum">
+              <a:rPr lang="es-EC" smtClean="0"/>
+              <a:pPr/>
+              <a:t>4</a:t>
+            </a:fld>
+            <a:endParaRPr lang="es-EC" dirty="0"/>
+          </a:p>
+        </p:txBody>
+      </p:sp>
+    </p:spTree>
+    <p:extLst>
+      <p:ext uri="{BB962C8B-B14F-4D97-AF65-F5344CB8AC3E}">
+        <p14:creationId xmlns:p14="http://schemas.microsoft.com/office/powerpoint/2010/main" val="467999518"/>
+      </p:ext>
+    </p:extLst>
+  </p:cSld>
+  <p:clrMapOvr>
+    <a:masterClrMapping/>
+  </p:clrMapOvr>
+</p:sld>
+</file>
+
+<file path=ppt/slides/slide5.xml><?xml version="1.0" encoding="utf-8"?>
 <p:sld xmlns:a="http://schemas.openxmlformats.org/drawingml/2006/main" xmlns:r="http://schemas.openxmlformats.org/officeDocument/2006/relationships" xmlns:p="http://schemas.openxmlformats.org/presentationml/2006/main">
   <p:cSld>
     <p:spTree>
@@ -24019,7 +26047,7 @@
           <a:p>
             <a:fld id="{A2BD2354-8804-4BED-BAB9-075C92A071CC}" type="slidenum">
               <a:rPr lang="es-EC" smtClean="0"/>
-              <a:t>3</a:t>
+              <a:t>5</a:t>
             </a:fld>
             <a:endParaRPr lang="es-EC" dirty="0"/>
           </a:p>
@@ -24293,7 +26321,7 @@
 </p:sld>
 </file>
 
-<file path=ppt/slides/slide4.xml><?xml version="1.0" encoding="utf-8"?>
+<file path=ppt/slides/slide6.xml><?xml version="1.0" encoding="utf-8"?>
 <p:sld xmlns:a="http://schemas.openxmlformats.org/drawingml/2006/main" xmlns:r="http://schemas.openxmlformats.org/officeDocument/2006/relationships" xmlns:p="http://schemas.openxmlformats.org/presentationml/2006/main">
   <p:cSld>
     <p:spTree>
@@ -24384,7 +26412,7 @@
           <a:p>
             <a:fld id="{A2BD2354-8804-4BED-BAB9-075C92A071CC}" type="slidenum">
               <a:rPr lang="es-EC" smtClean="0"/>
-              <a:t>4</a:t>
+              <a:t>6</a:t>
             </a:fld>
             <a:endParaRPr lang="es-EC" dirty="0"/>
           </a:p>
@@ -24650,7 +26678,7 @@
 </p:sld>
 </file>
 
-<file path=ppt/slides/slide5.xml><?xml version="1.0" encoding="utf-8"?>
+<file path=ppt/slides/slide7.xml><?xml version="1.0" encoding="utf-8"?>
 <p:sld xmlns:a="http://schemas.openxmlformats.org/drawingml/2006/main" xmlns:r="http://schemas.openxmlformats.org/officeDocument/2006/relationships" xmlns:p="http://schemas.openxmlformats.org/presentationml/2006/main">
   <p:cSld>
     <p:spTree>
@@ -25316,7 +27344,7 @@
           <a:p>
             <a:fld id="{A2BD2354-8804-4BED-BAB9-075C92A071CC}" type="slidenum">
               <a:rPr lang="es-EC" smtClean="0"/>
-              <a:t>5</a:t>
+              <a:t>7</a:t>
             </a:fld>
             <a:endParaRPr lang="es-EC" dirty="0"/>
           </a:p>
@@ -25557,7 +27585,7 @@
 </p:sld>
 </file>
 
-<file path=ppt/slides/slide6.xml><?xml version="1.0" encoding="utf-8"?>
+<file path=ppt/slides/slide8.xml><?xml version="1.0" encoding="utf-8"?>
 <p:sld xmlns:a="http://schemas.openxmlformats.org/drawingml/2006/main" xmlns:r="http://schemas.openxmlformats.org/officeDocument/2006/relationships" xmlns:p="http://schemas.openxmlformats.org/presentationml/2006/main">
   <p:cSld>
     <p:spTree>
@@ -26309,7 +28337,7 @@
           <a:p>
             <a:fld id="{A2BD2354-8804-4BED-BAB9-075C92A071CC}" type="slidenum">
               <a:rPr lang="es-EC" smtClean="0"/>
-              <a:t>6</a:t>
+              <a:t>8</a:t>
             </a:fld>
             <a:endParaRPr lang="es-EC" dirty="0"/>
           </a:p>
@@ -26550,1179 +28578,6 @@
 </p:sld>
 </file>
 
-<file path=ppt/slides/slide7.xml><?xml version="1.0" encoding="utf-8"?>
-<p:sld xmlns:a="http://schemas.openxmlformats.org/drawingml/2006/main" xmlns:r="http://schemas.openxmlformats.org/officeDocument/2006/relationships" xmlns:p="http://schemas.openxmlformats.org/presentationml/2006/main">
-  <p:cSld>
-    <p:spTree>
-      <p:nvGrpSpPr>
-        <p:cNvPr id="1" name=""/>
-        <p:cNvGrpSpPr/>
-        <p:nvPr/>
-      </p:nvGrpSpPr>
-      <p:grpSpPr>
-        <a:xfrm>
-          <a:off x="0" y="0"/>
-          <a:ext cx="0" cy="0"/>
-          <a:chOff x="0" y="0"/>
-          <a:chExt cx="0" cy="0"/>
-        </a:xfrm>
-      </p:grpSpPr>
-      <p:sp>
-        <p:nvSpPr>
-          <p:cNvPr id="3074" name="Rectangle 4">
-            <a:extLst>
-              <a:ext uri="{FF2B5EF4-FFF2-40B4-BE49-F238E27FC236}">
-                <a16:creationId xmlns:a16="http://schemas.microsoft.com/office/drawing/2014/main" id="{AE8A3DF6-414E-4AFF-B2DF-189B11211C44}"/>
-              </a:ext>
-            </a:extLst>
-          </p:cNvPr>
-          <p:cNvSpPr>
-            <a:spLocks noGrp="1" noChangeArrowheads="1"/>
-          </p:cNvSpPr>
-          <p:nvPr>
-            <p:ph type="title"/>
-          </p:nvPr>
-        </p:nvSpPr>
-        <p:spPr>
-          <a:xfrm>
-            <a:off x="1752600" y="427037"/>
-            <a:ext cx="7315200" cy="715963"/>
-          </a:xfrm>
-          <a:extLst>
-            <a:ext uri="{AF507438-7753-43E0-B8FC-AC1667EBCBE1}">
-              <a14:hiddenEffects xmlns:a14="http://schemas.microsoft.com/office/drawing/2010/main">
-                <a:effectLst>
-                  <a:outerShdw dist="17961" dir="2700000" algn="ctr" rotWithShape="0">
-                    <a:schemeClr val="tx2"/>
-                  </a:outerShdw>
-                </a:effectLst>
-              </a14:hiddenEffects>
-            </a:ext>
-          </a:extLst>
-        </p:spPr>
-        <p:txBody>
-          <a:bodyPr>
-            <a:normAutofit fontScale="90000"/>
-          </a:bodyPr>
-          <a:lstStyle/>
-          <a:p>
-            <a:r>
-              <a:rPr lang="es-EC" altLang="es-EC" sz="3200" b="1" dirty="0" smtClean="0"/>
-              <a:t>Diseño en MATLAB de canales con desvanecimiento a pequeña escala</a:t>
-            </a:r>
-            <a:endParaRPr lang="es-EC" altLang="es-EC" sz="3200" b="1" dirty="0">
-              <a:solidFill>
-                <a:srgbClr val="0F1151"/>
-              </a:solidFill>
-            </a:endParaRPr>
-          </a:p>
-        </p:txBody>
-      </p:sp>
-      <p:sp>
-        <p:nvSpPr>
-          <p:cNvPr id="2" name="Marcador de número de diapositiva 1">
-            <a:extLst>
-              <a:ext uri="{FF2B5EF4-FFF2-40B4-BE49-F238E27FC236}">
-                <a16:creationId xmlns:a16="http://schemas.microsoft.com/office/drawing/2014/main" id="{A4561E57-382E-4082-9185-B9E5406F6D76}"/>
-              </a:ext>
-            </a:extLst>
-          </p:cNvPr>
-          <p:cNvSpPr>
-            <a:spLocks noGrp="1"/>
-          </p:cNvSpPr>
-          <p:nvPr>
-            <p:ph type="sldNum" sz="quarter" idx="12"/>
-          </p:nvPr>
-        </p:nvSpPr>
-        <p:spPr/>
-        <p:txBody>
-          <a:bodyPr/>
-          <a:lstStyle/>
-          <a:p>
-            <a:fld id="{A2BD2354-8804-4BED-BAB9-075C92A071CC}" type="slidenum">
-              <a:rPr lang="es-EC" smtClean="0"/>
-              <a:t>7</a:t>
-            </a:fld>
-            <a:endParaRPr lang="es-EC" dirty="0"/>
-          </a:p>
-        </p:txBody>
-      </p:sp>
-      <p:sp>
-        <p:nvSpPr>
-          <p:cNvPr id="4" name="Rectangle 4">
-            <a:extLst>
-              <a:ext uri="{FF2B5EF4-FFF2-40B4-BE49-F238E27FC236}">
-                <a16:creationId xmlns:a16="http://schemas.microsoft.com/office/drawing/2014/main" id="{07166D38-EEFA-449B-B20A-7374B427F22A}"/>
-              </a:ext>
-            </a:extLst>
-          </p:cNvPr>
-          <p:cNvSpPr txBox="1">
-            <a:spLocks noChangeArrowheads="1"/>
-          </p:cNvSpPr>
-          <p:nvPr/>
-        </p:nvSpPr>
-        <p:spPr bwMode="auto">
-          <a:xfrm>
-            <a:off x="1752600" y="1874837"/>
-            <a:ext cx="7315200" cy="715963"/>
-          </a:xfrm>
-          <a:prstGeom prst="rect">
-            <a:avLst/>
-          </a:prstGeom>
-          <a:noFill/>
-          <a:ln>
-            <a:noFill/>
-          </a:ln>
-          <a:effectLst/>
-          <a:extLst>
-            <a:ext uri="{909E8E84-426E-40DD-AFC4-6F175D3DCCD1}">
-              <a14:hiddenFill xmlns:a14="http://schemas.microsoft.com/office/drawing/2010/main">
-                <a:solidFill>
-                  <a:schemeClr val="accent1"/>
-                </a:solidFill>
-              </a14:hiddenFill>
-            </a:ext>
-            <a:ext uri="{91240B29-F687-4F45-9708-019B960494DF}">
-              <a14:hiddenLine xmlns:a14="http://schemas.microsoft.com/office/drawing/2010/main" w="9525">
-                <a:solidFill>
-                  <a:schemeClr val="tx1"/>
-                </a:solidFill>
-                <a:miter lim="800000"/>
-                <a:headEnd/>
-                <a:tailEnd/>
-              </a14:hiddenLine>
-            </a:ext>
-            <a:ext uri="{AF507438-7753-43E0-B8FC-AC1667EBCBE1}">
-              <a14:hiddenEffects xmlns:a14="http://schemas.microsoft.com/office/drawing/2010/main">
-                <a:effectLst>
-                  <a:outerShdw dist="17961" dir="2700000" algn="ctr" rotWithShape="0">
-                    <a:schemeClr val="tx2"/>
-                  </a:outerShdw>
-                </a:effectLst>
-              </a14:hiddenEffects>
-            </a:ext>
-          </a:extLst>
-        </p:spPr>
-        <p:txBody>
-          <a:bodyPr vert="horz" wrap="square" lIns="91440" tIns="45720" rIns="91440" bIns="45720" numCol="1" anchor="ctr" anchorCtr="0" compatLnSpc="1">
-            <a:prstTxWarp prst="textNoShape">
-              <a:avLst/>
-            </a:prstTxWarp>
-          </a:bodyPr>
-          <a:lstStyle>
-            <a:lvl1pPr algn="l" rtl="0" eaLnBrk="1" fontAlgn="base" hangingPunct="1">
-              <a:spcBef>
-                <a:spcPct val="0"/>
-              </a:spcBef>
-              <a:spcAft>
-                <a:spcPct val="0"/>
-              </a:spcAft>
-              <a:defRPr sz="4400">
-                <a:solidFill>
-                  <a:schemeClr val="tx1"/>
-                </a:solidFill>
-                <a:latin typeface="+mj-lt"/>
-                <a:ea typeface="+mj-ea"/>
-                <a:cs typeface="+mj-cs"/>
-              </a:defRPr>
-            </a:lvl1pPr>
-            <a:lvl2pPr algn="l" rtl="0" eaLnBrk="1" fontAlgn="base" hangingPunct="1">
-              <a:spcBef>
-                <a:spcPct val="0"/>
-              </a:spcBef>
-              <a:spcAft>
-                <a:spcPct val="0"/>
-              </a:spcAft>
-              <a:defRPr sz="4400">
-                <a:solidFill>
-                  <a:schemeClr val="tx1"/>
-                </a:solidFill>
-                <a:latin typeface="Microsoft Sans Serif" pitchFamily="34" charset="0"/>
-              </a:defRPr>
-            </a:lvl2pPr>
-            <a:lvl3pPr algn="l" rtl="0" eaLnBrk="1" fontAlgn="base" hangingPunct="1">
-              <a:spcBef>
-                <a:spcPct val="0"/>
-              </a:spcBef>
-              <a:spcAft>
-                <a:spcPct val="0"/>
-              </a:spcAft>
-              <a:defRPr sz="4400">
-                <a:solidFill>
-                  <a:schemeClr val="tx1"/>
-                </a:solidFill>
-                <a:latin typeface="Microsoft Sans Serif" pitchFamily="34" charset="0"/>
-              </a:defRPr>
-            </a:lvl3pPr>
-            <a:lvl4pPr algn="l" rtl="0" eaLnBrk="1" fontAlgn="base" hangingPunct="1">
-              <a:spcBef>
-                <a:spcPct val="0"/>
-              </a:spcBef>
-              <a:spcAft>
-                <a:spcPct val="0"/>
-              </a:spcAft>
-              <a:defRPr sz="4400">
-                <a:solidFill>
-                  <a:schemeClr val="tx1"/>
-                </a:solidFill>
-                <a:latin typeface="Microsoft Sans Serif" pitchFamily="34" charset="0"/>
-              </a:defRPr>
-            </a:lvl4pPr>
-            <a:lvl5pPr algn="l" rtl="0" eaLnBrk="1" fontAlgn="base" hangingPunct="1">
-              <a:spcBef>
-                <a:spcPct val="0"/>
-              </a:spcBef>
-              <a:spcAft>
-                <a:spcPct val="0"/>
-              </a:spcAft>
-              <a:defRPr sz="4400">
-                <a:solidFill>
-                  <a:schemeClr val="tx1"/>
-                </a:solidFill>
-                <a:latin typeface="Microsoft Sans Serif" pitchFamily="34" charset="0"/>
-              </a:defRPr>
-            </a:lvl5pPr>
-            <a:lvl6pPr marL="457200" algn="l" rtl="0" eaLnBrk="1" fontAlgn="base" hangingPunct="1">
-              <a:spcBef>
-                <a:spcPct val="0"/>
-              </a:spcBef>
-              <a:spcAft>
-                <a:spcPct val="0"/>
-              </a:spcAft>
-              <a:defRPr sz="4400">
-                <a:solidFill>
-                  <a:schemeClr val="tx1"/>
-                </a:solidFill>
-                <a:latin typeface="Microsoft Sans Serif" pitchFamily="34" charset="0"/>
-              </a:defRPr>
-            </a:lvl6pPr>
-            <a:lvl7pPr marL="914400" algn="l" rtl="0" eaLnBrk="1" fontAlgn="base" hangingPunct="1">
-              <a:spcBef>
-                <a:spcPct val="0"/>
-              </a:spcBef>
-              <a:spcAft>
-                <a:spcPct val="0"/>
-              </a:spcAft>
-              <a:defRPr sz="4400">
-                <a:solidFill>
-                  <a:schemeClr val="tx1"/>
-                </a:solidFill>
-                <a:latin typeface="Microsoft Sans Serif" pitchFamily="34" charset="0"/>
-              </a:defRPr>
-            </a:lvl7pPr>
-            <a:lvl8pPr marL="1371600" algn="l" rtl="0" eaLnBrk="1" fontAlgn="base" hangingPunct="1">
-              <a:spcBef>
-                <a:spcPct val="0"/>
-              </a:spcBef>
-              <a:spcAft>
-                <a:spcPct val="0"/>
-              </a:spcAft>
-              <a:defRPr sz="4400">
-                <a:solidFill>
-                  <a:schemeClr val="tx1"/>
-                </a:solidFill>
-                <a:latin typeface="Microsoft Sans Serif" pitchFamily="34" charset="0"/>
-              </a:defRPr>
-            </a:lvl8pPr>
-            <a:lvl9pPr marL="1828800" algn="l" rtl="0" eaLnBrk="1" fontAlgn="base" hangingPunct="1">
-              <a:spcBef>
-                <a:spcPct val="0"/>
-              </a:spcBef>
-              <a:spcAft>
-                <a:spcPct val="0"/>
-              </a:spcAft>
-              <a:defRPr sz="4400">
-                <a:solidFill>
-                  <a:schemeClr val="tx1"/>
-                </a:solidFill>
-                <a:latin typeface="Microsoft Sans Serif" pitchFamily="34" charset="0"/>
-              </a:defRPr>
-            </a:lvl9pPr>
-          </a:lstStyle>
-          <a:p>
-            <a:r>
-              <a:rPr lang="es-EC" altLang="es-EC" sz="2400" b="1" kern="0" dirty="0" smtClean="0">
-                <a:solidFill>
-                  <a:srgbClr val="0F1151"/>
-                </a:solidFill>
-                <a:latin typeface="Verdana" panose="020B0604030504040204" pitchFamily="34" charset="0"/>
-                <a:ea typeface="Verdana" panose="020B0604030504040204" pitchFamily="34" charset="0"/>
-                <a:cs typeface="Verdana" panose="020B0604030504040204" pitchFamily="34" charset="0"/>
-              </a:rPr>
-              <a:t>Diagrama de bloques (sistema de comunicación inalámbrico implementado)</a:t>
-            </a:r>
-            <a:endParaRPr lang="es-EC" altLang="es-EC" sz="2400" b="1" kern="0" dirty="0">
-              <a:solidFill>
-                <a:srgbClr val="0F1151"/>
-              </a:solidFill>
-              <a:latin typeface="Verdana" panose="020B0604030504040204" pitchFamily="34" charset="0"/>
-              <a:ea typeface="Verdana" panose="020B0604030504040204" pitchFamily="34" charset="0"/>
-              <a:cs typeface="Verdana" panose="020B0604030504040204" pitchFamily="34" charset="0"/>
-            </a:endParaRPr>
-          </a:p>
-        </p:txBody>
-      </p:sp>
-      <p:graphicFrame>
-        <p:nvGraphicFramePr>
-          <p:cNvPr id="5" name="Marcador de contenido 4"/>
-          <p:cNvGraphicFramePr>
-            <a:graphicFrameLocks noGrp="1"/>
-          </p:cNvGraphicFramePr>
-          <p:nvPr>
-            <p:ph idx="1"/>
-            <p:extLst>
-              <p:ext uri="{D42A27DB-BD31-4B8C-83A1-F6EECF244321}">
-                <p14:modId xmlns:p14="http://schemas.microsoft.com/office/powerpoint/2010/main" val="2024129960"/>
-              </p:ext>
-            </p:extLst>
-          </p:nvPr>
-        </p:nvGraphicFramePr>
-        <p:xfrm>
-          <a:off x="1952625" y="2895600"/>
-          <a:ext cx="6915150" cy="982260"/>
-        </p:xfrm>
-        <a:graphic>
-          <a:graphicData uri="http://schemas.openxmlformats.org/drawingml/2006/diagram">
-            <dgm:relIds xmlns:dgm="http://schemas.openxmlformats.org/drawingml/2006/diagram" xmlns:r="http://schemas.openxmlformats.org/officeDocument/2006/relationships" r:dm="rId3" r:lo="rId4" r:qs="rId5" r:cs="rId6"/>
-          </a:graphicData>
-        </a:graphic>
-      </p:graphicFrame>
-      <p:graphicFrame>
-        <p:nvGraphicFramePr>
-          <p:cNvPr id="22" name="Marcador de contenido 4"/>
-          <p:cNvGraphicFramePr>
-            <a:graphicFrameLocks/>
-          </p:cNvGraphicFramePr>
-          <p:nvPr>
-            <p:extLst>
-              <p:ext uri="{D42A27DB-BD31-4B8C-83A1-F6EECF244321}">
-                <p14:modId xmlns:p14="http://schemas.microsoft.com/office/powerpoint/2010/main" val="4221401150"/>
-              </p:ext>
-            </p:extLst>
-          </p:nvPr>
-        </p:nvGraphicFramePr>
-        <p:xfrm>
-          <a:off x="1905000" y="5331205"/>
-          <a:ext cx="6934200" cy="832655"/>
-        </p:xfrm>
-        <a:graphic>
-          <a:graphicData uri="http://schemas.openxmlformats.org/drawingml/2006/diagram">
-            <dgm:relIds xmlns:dgm="http://schemas.openxmlformats.org/drawingml/2006/diagram" xmlns:r="http://schemas.openxmlformats.org/officeDocument/2006/relationships" r:dm="rId8" r:lo="rId9" r:qs="rId10" r:cs="rId11"/>
-          </a:graphicData>
-        </a:graphic>
-      </p:graphicFrame>
-      <p:graphicFrame>
-        <p:nvGraphicFramePr>
-          <p:cNvPr id="6" name="Diagrama 5"/>
-          <p:cNvGraphicFramePr/>
-          <p:nvPr>
-            <p:extLst>
-              <p:ext uri="{D42A27DB-BD31-4B8C-83A1-F6EECF244321}">
-                <p14:modId xmlns:p14="http://schemas.microsoft.com/office/powerpoint/2010/main" val="1109257787"/>
-              </p:ext>
-            </p:extLst>
-          </p:nvPr>
-        </p:nvGraphicFramePr>
-        <p:xfrm>
-          <a:off x="7848600" y="4258860"/>
-          <a:ext cx="990600" cy="838200"/>
-        </p:xfrm>
-        <a:graphic>
-          <a:graphicData uri="http://schemas.openxmlformats.org/drawingml/2006/diagram">
-            <dgm:relIds xmlns:dgm="http://schemas.openxmlformats.org/drawingml/2006/diagram" xmlns:r="http://schemas.openxmlformats.org/officeDocument/2006/relationships" r:dm="rId13" r:lo="rId14" r:qs="rId15" r:cs="rId16"/>
-          </a:graphicData>
-        </a:graphic>
-      </p:graphicFrame>
-      <p:grpSp>
-        <p:nvGrpSpPr>
-          <p:cNvPr id="24" name="Grupo 23"/>
-          <p:cNvGrpSpPr/>
-          <p:nvPr/>
-        </p:nvGrpSpPr>
-        <p:grpSpPr>
-          <a:xfrm rot="5400000">
-            <a:off x="8248441" y="3943559"/>
-            <a:ext cx="221906" cy="259588"/>
-            <a:chOff x="5551028" y="361335"/>
-            <a:chExt cx="221906" cy="259588"/>
-          </a:xfrm>
-        </p:grpSpPr>
-        <p:sp>
-          <p:nvSpPr>
-            <p:cNvPr id="25" name="Flecha derecha 24"/>
-            <p:cNvSpPr/>
-            <p:nvPr/>
-          </p:nvSpPr>
-          <p:spPr>
-            <a:xfrm>
-              <a:off x="5551028" y="361335"/>
-              <a:ext cx="221906" cy="259588"/>
-            </a:xfrm>
-            <a:prstGeom prst="rightArrow">
-              <a:avLst>
-                <a:gd name="adj1" fmla="val 60000"/>
-                <a:gd name="adj2" fmla="val 50000"/>
-              </a:avLst>
-            </a:prstGeom>
-          </p:spPr>
-          <p:style>
-            <a:lnRef idx="0">
-              <a:schemeClr val="accent1">
-                <a:tint val="60000"/>
-                <a:hueOff val="0"/>
-                <a:satOff val="0"/>
-                <a:lumOff val="0"/>
-                <a:alphaOff val="0"/>
-              </a:schemeClr>
-            </a:lnRef>
-            <a:fillRef idx="1">
-              <a:schemeClr val="accent1">
-                <a:tint val="60000"/>
-                <a:hueOff val="0"/>
-                <a:satOff val="0"/>
-                <a:lumOff val="0"/>
-                <a:alphaOff val="0"/>
-              </a:schemeClr>
-            </a:fillRef>
-            <a:effectRef idx="0">
-              <a:schemeClr val="accent1">
-                <a:tint val="60000"/>
-                <a:hueOff val="0"/>
-                <a:satOff val="0"/>
-                <a:lumOff val="0"/>
-                <a:alphaOff val="0"/>
-              </a:schemeClr>
-            </a:effectRef>
-            <a:fontRef idx="minor">
-              <a:schemeClr val="lt1"/>
-            </a:fontRef>
-          </p:style>
-        </p:sp>
-        <p:sp>
-          <p:nvSpPr>
-            <p:cNvPr id="26" name="Flecha derecha 4"/>
-            <p:cNvSpPr/>
-            <p:nvPr/>
-          </p:nvSpPr>
-          <p:spPr>
-            <a:xfrm>
-              <a:off x="5551028" y="413253"/>
-              <a:ext cx="155334" cy="155752"/>
-            </a:xfrm>
-            <a:prstGeom prst="rect">
-              <a:avLst/>
-            </a:prstGeom>
-          </p:spPr>
-          <p:style>
-            <a:lnRef idx="0">
-              <a:scrgbClr r="0" g="0" b="0"/>
-            </a:lnRef>
-            <a:fillRef idx="0">
-              <a:scrgbClr r="0" g="0" b="0"/>
-            </a:fillRef>
-            <a:effectRef idx="0">
-              <a:scrgbClr r="0" g="0" b="0"/>
-            </a:effectRef>
-            <a:fontRef idx="minor">
-              <a:schemeClr val="lt1"/>
-            </a:fontRef>
-          </p:style>
-          <p:txBody>
-            <a:bodyPr spcFirstLastPara="0" vert="horz" wrap="square" lIns="0" tIns="0" rIns="0" bIns="0" numCol="1" spcCol="1270" anchor="ctr" anchorCtr="0">
-              <a:noAutofit/>
-            </a:bodyPr>
-            <a:lstStyle/>
-            <a:p>
-              <a:pPr lvl="0" algn="ctr" defTabSz="488950">
-                <a:lnSpc>
-                  <a:spcPct val="90000"/>
-                </a:lnSpc>
-                <a:spcBef>
-                  <a:spcPct val="0"/>
-                </a:spcBef>
-                <a:spcAft>
-                  <a:spcPct val="35000"/>
-                </a:spcAft>
-              </a:pPr>
-              <a:endParaRPr lang="es-EC" sz="1100" kern="1200"/>
-            </a:p>
-          </p:txBody>
-        </p:sp>
-      </p:grpSp>
-      <p:grpSp>
-        <p:nvGrpSpPr>
-          <p:cNvPr id="27" name="Grupo 26"/>
-          <p:cNvGrpSpPr/>
-          <p:nvPr/>
-        </p:nvGrpSpPr>
-        <p:grpSpPr>
-          <a:xfrm rot="5400000">
-            <a:off x="8248441" y="5078219"/>
-            <a:ext cx="221906" cy="259588"/>
-            <a:chOff x="5551028" y="361335"/>
-            <a:chExt cx="221906" cy="259588"/>
-          </a:xfrm>
-        </p:grpSpPr>
-        <p:sp>
-          <p:nvSpPr>
-            <p:cNvPr id="28" name="Flecha derecha 27"/>
-            <p:cNvSpPr/>
-            <p:nvPr/>
-          </p:nvSpPr>
-          <p:spPr>
-            <a:xfrm>
-              <a:off x="5551028" y="361335"/>
-              <a:ext cx="221906" cy="259588"/>
-            </a:xfrm>
-            <a:prstGeom prst="rightArrow">
-              <a:avLst>
-                <a:gd name="adj1" fmla="val 60000"/>
-                <a:gd name="adj2" fmla="val 50000"/>
-              </a:avLst>
-            </a:prstGeom>
-          </p:spPr>
-          <p:style>
-            <a:lnRef idx="0">
-              <a:schemeClr val="accent1">
-                <a:tint val="60000"/>
-                <a:hueOff val="0"/>
-                <a:satOff val="0"/>
-                <a:lumOff val="0"/>
-                <a:alphaOff val="0"/>
-              </a:schemeClr>
-            </a:lnRef>
-            <a:fillRef idx="1">
-              <a:schemeClr val="accent1">
-                <a:tint val="60000"/>
-                <a:hueOff val="0"/>
-                <a:satOff val="0"/>
-                <a:lumOff val="0"/>
-                <a:alphaOff val="0"/>
-              </a:schemeClr>
-            </a:fillRef>
-            <a:effectRef idx="0">
-              <a:schemeClr val="accent1">
-                <a:tint val="60000"/>
-                <a:hueOff val="0"/>
-                <a:satOff val="0"/>
-                <a:lumOff val="0"/>
-                <a:alphaOff val="0"/>
-              </a:schemeClr>
-            </a:effectRef>
-            <a:fontRef idx="minor">
-              <a:schemeClr val="lt1"/>
-            </a:fontRef>
-          </p:style>
-        </p:sp>
-        <p:sp>
-          <p:nvSpPr>
-            <p:cNvPr id="29" name="Flecha derecha 4"/>
-            <p:cNvSpPr/>
-            <p:nvPr/>
-          </p:nvSpPr>
-          <p:spPr>
-            <a:xfrm>
-              <a:off x="5551028" y="413253"/>
-              <a:ext cx="155334" cy="155752"/>
-            </a:xfrm>
-            <a:prstGeom prst="rect">
-              <a:avLst/>
-            </a:prstGeom>
-          </p:spPr>
-          <p:style>
-            <a:lnRef idx="0">
-              <a:scrgbClr r="0" g="0" b="0"/>
-            </a:lnRef>
-            <a:fillRef idx="0">
-              <a:scrgbClr r="0" g="0" b="0"/>
-            </a:fillRef>
-            <a:effectRef idx="0">
-              <a:scrgbClr r="0" g="0" b="0"/>
-            </a:effectRef>
-            <a:fontRef idx="minor">
-              <a:schemeClr val="lt1"/>
-            </a:fontRef>
-          </p:style>
-          <p:txBody>
-            <a:bodyPr spcFirstLastPara="0" vert="horz" wrap="square" lIns="0" tIns="0" rIns="0" bIns="0" numCol="1" spcCol="1270" anchor="ctr" anchorCtr="0">
-              <a:noAutofit/>
-            </a:bodyPr>
-            <a:lstStyle/>
-            <a:p>
-              <a:pPr lvl="0" algn="ctr" defTabSz="488950">
-                <a:lnSpc>
-                  <a:spcPct val="90000"/>
-                </a:lnSpc>
-                <a:spcBef>
-                  <a:spcPct val="0"/>
-                </a:spcBef>
-                <a:spcAft>
-                  <a:spcPct val="35000"/>
-                </a:spcAft>
-              </a:pPr>
-              <a:endParaRPr lang="es-EC" sz="1100" kern="1200"/>
-            </a:p>
-          </p:txBody>
-        </p:sp>
-      </p:grpSp>
-    </p:spTree>
-    <p:extLst>
-      <p:ext uri="{BB962C8B-B14F-4D97-AF65-F5344CB8AC3E}">
-        <p14:creationId xmlns:p14="http://schemas.microsoft.com/office/powerpoint/2010/main" val="262739706"/>
-      </p:ext>
-    </p:extLst>
-  </p:cSld>
-  <p:clrMapOvr>
-    <a:masterClrMapping/>
-  </p:clrMapOvr>
-  <p:timing>
-    <p:tnLst>
-      <p:par>
-        <p:cTn id="1" dur="indefinite" restart="never" nodeType="tmRoot"/>
-      </p:par>
-    </p:tnLst>
-  </p:timing>
-</p:sld>
-</file>
-
-<file path=ppt/slides/slide8.xml><?xml version="1.0" encoding="utf-8"?>
-<p:sld xmlns:a="http://schemas.openxmlformats.org/drawingml/2006/main" xmlns:r="http://schemas.openxmlformats.org/officeDocument/2006/relationships" xmlns:p="http://schemas.openxmlformats.org/presentationml/2006/main">
-  <p:cSld>
-    <p:spTree>
-      <p:nvGrpSpPr>
-        <p:cNvPr id="1" name=""/>
-        <p:cNvGrpSpPr/>
-        <p:nvPr/>
-      </p:nvGrpSpPr>
-      <p:grpSpPr>
-        <a:xfrm>
-          <a:off x="0" y="0"/>
-          <a:ext cx="0" cy="0"/>
-          <a:chOff x="0" y="0"/>
-          <a:chExt cx="0" cy="0"/>
-        </a:xfrm>
-      </p:grpSpPr>
-      <p:sp>
-        <p:nvSpPr>
-          <p:cNvPr id="3074" name="Rectangle 4">
-            <a:extLst>
-              <a:ext uri="{FF2B5EF4-FFF2-40B4-BE49-F238E27FC236}">
-                <a16:creationId xmlns:a16="http://schemas.microsoft.com/office/drawing/2014/main" id="{AE8A3DF6-414E-4AFF-B2DF-189B11211C44}"/>
-              </a:ext>
-            </a:extLst>
-          </p:cNvPr>
-          <p:cNvSpPr>
-            <a:spLocks noGrp="1" noChangeArrowheads="1"/>
-          </p:cNvSpPr>
-          <p:nvPr>
-            <p:ph type="title"/>
-          </p:nvPr>
-        </p:nvSpPr>
-        <p:spPr>
-          <a:xfrm>
-            <a:off x="1752600" y="427037"/>
-            <a:ext cx="7315200" cy="715963"/>
-          </a:xfrm>
-          <a:extLst>
-            <a:ext uri="{AF507438-7753-43E0-B8FC-AC1667EBCBE1}">
-              <a14:hiddenEffects xmlns:a14="http://schemas.microsoft.com/office/drawing/2010/main">
-                <a:effectLst>
-                  <a:outerShdw dist="17961" dir="2700000" algn="ctr" rotWithShape="0">
-                    <a:schemeClr val="tx2"/>
-                  </a:outerShdw>
-                </a:effectLst>
-              </a14:hiddenEffects>
-            </a:ext>
-          </a:extLst>
-        </p:spPr>
-        <p:txBody>
-          <a:bodyPr>
-            <a:normAutofit fontScale="90000"/>
-          </a:bodyPr>
-          <a:lstStyle/>
-          <a:p>
-            <a:r>
-              <a:rPr lang="es-EC" altLang="es-EC" sz="3200" b="1" dirty="0"/>
-              <a:t>Diseño en MATLAB de canales con desvanecimiento a pequeña escala</a:t>
-            </a:r>
-            <a:endParaRPr lang="es-EC" altLang="es-EC" sz="3200" b="1" dirty="0">
-              <a:solidFill>
-                <a:srgbClr val="0F1151"/>
-              </a:solidFill>
-            </a:endParaRPr>
-          </a:p>
-        </p:txBody>
-      </p:sp>
-      <p:sp>
-        <p:nvSpPr>
-          <p:cNvPr id="3075" name="Rectangle 5">
-            <a:extLst>
-              <a:ext uri="{FF2B5EF4-FFF2-40B4-BE49-F238E27FC236}">
-                <a16:creationId xmlns:a16="http://schemas.microsoft.com/office/drawing/2014/main" id="{DF6B7314-579F-48C9-AEA5-172961AB63ED}"/>
-              </a:ext>
-            </a:extLst>
-          </p:cNvPr>
-          <p:cNvSpPr>
-            <a:spLocks noGrp="1" noChangeArrowheads="1"/>
-          </p:cNvSpPr>
-          <p:nvPr>
-            <p:ph idx="1"/>
-          </p:nvPr>
-        </p:nvSpPr>
-        <p:spPr>
-          <a:xfrm>
-            <a:off x="1600200" y="1905000"/>
-            <a:ext cx="7315200" cy="4191000"/>
-          </a:xfrm>
-        </p:spPr>
-        <p:txBody>
-          <a:bodyPr/>
-          <a:lstStyle/>
-          <a:p>
-            <a:pPr eaLnBrk="1" hangingPunct="1">
-              <a:lnSpc>
-                <a:spcPct val="80000"/>
-              </a:lnSpc>
-            </a:pPr>
-            <a:r>
-              <a:rPr lang="es-EC" altLang="ko-KR" sz="2000" dirty="0" smtClean="0">
-                <a:ea typeface="굴림" panose="020B0600000101010101" pitchFamily="34" charset="-127"/>
-              </a:rPr>
-              <a:t>Utilizando funciones</a:t>
-            </a:r>
-          </a:p>
-          <a:p>
-            <a:pPr marL="0" indent="0" eaLnBrk="1" hangingPunct="1">
-              <a:lnSpc>
-                <a:spcPct val="80000"/>
-              </a:lnSpc>
-              <a:buNone/>
-            </a:pPr>
-            <a:endParaRPr lang="es-EC" altLang="ko-KR" sz="2000" dirty="0" smtClean="0">
-              <a:solidFill>
-                <a:srgbClr val="0F1151"/>
-              </a:solidFill>
-              <a:latin typeface="Verdana" panose="020B0604030504040204" pitchFamily="34" charset="0"/>
-              <a:ea typeface="굴림" panose="020B0600000101010101" pitchFamily="34" charset="-127"/>
-            </a:endParaRPr>
-          </a:p>
-          <a:p>
-            <a:pPr marL="0" indent="0" eaLnBrk="1" hangingPunct="1">
-              <a:lnSpc>
-                <a:spcPct val="80000"/>
-              </a:lnSpc>
-              <a:buNone/>
-            </a:pPr>
-            <a:endParaRPr lang="es-EC" altLang="ko-KR" sz="2000" dirty="0">
-              <a:ea typeface="굴림" panose="020B0600000101010101" pitchFamily="34" charset="-127"/>
-            </a:endParaRPr>
-          </a:p>
-          <a:p>
-            <a:pPr marL="0" indent="0" eaLnBrk="1" hangingPunct="1">
-              <a:lnSpc>
-                <a:spcPct val="80000"/>
-              </a:lnSpc>
-              <a:buNone/>
-            </a:pPr>
-            <a:endParaRPr lang="es-EC" altLang="ko-KR" sz="2000" dirty="0" smtClean="0">
-              <a:solidFill>
-                <a:srgbClr val="0F1151"/>
-              </a:solidFill>
-              <a:latin typeface="Verdana" panose="020B0604030504040204" pitchFamily="34" charset="0"/>
-              <a:ea typeface="굴림" panose="020B0600000101010101" pitchFamily="34" charset="-127"/>
-            </a:endParaRPr>
-          </a:p>
-          <a:p>
-            <a:pPr marL="0" indent="0" eaLnBrk="1" hangingPunct="1">
-              <a:lnSpc>
-                <a:spcPct val="80000"/>
-              </a:lnSpc>
-              <a:buNone/>
-            </a:pPr>
-            <a:endParaRPr lang="es-EC" altLang="ko-KR" sz="2000" dirty="0">
-              <a:ea typeface="굴림" panose="020B0600000101010101" pitchFamily="34" charset="-127"/>
-            </a:endParaRPr>
-          </a:p>
-          <a:p>
-            <a:pPr marL="0" indent="0" eaLnBrk="1" hangingPunct="1">
-              <a:lnSpc>
-                <a:spcPct val="80000"/>
-              </a:lnSpc>
-              <a:buNone/>
-            </a:pPr>
-            <a:endParaRPr lang="es-EC" altLang="ko-KR" sz="2000" dirty="0" smtClean="0">
-              <a:solidFill>
-                <a:srgbClr val="0F1151"/>
-              </a:solidFill>
-              <a:latin typeface="Verdana" panose="020B0604030504040204" pitchFamily="34" charset="0"/>
-              <a:ea typeface="굴림" panose="020B0600000101010101" pitchFamily="34" charset="-127"/>
-            </a:endParaRPr>
-          </a:p>
-          <a:p>
-            <a:pPr eaLnBrk="1" hangingPunct="1">
-              <a:lnSpc>
-                <a:spcPct val="80000"/>
-              </a:lnSpc>
-            </a:pPr>
-            <a:r>
-              <a:rPr lang="es-EC" altLang="ko-KR" sz="2000" dirty="0" smtClean="0">
-                <a:ea typeface="굴림" panose="020B0600000101010101" pitchFamily="34" charset="-127"/>
-              </a:rPr>
-              <a:t>Creando objetos</a:t>
-            </a:r>
-            <a:endParaRPr lang="es-EC" altLang="ko-KR" sz="2000" dirty="0">
-              <a:solidFill>
-                <a:srgbClr val="0F1151"/>
-              </a:solidFill>
-              <a:latin typeface="Verdana" panose="020B0604030504040204" pitchFamily="34" charset="0"/>
-              <a:ea typeface="굴림" panose="020B0600000101010101" pitchFamily="34" charset="-127"/>
-            </a:endParaRPr>
-          </a:p>
-        </p:txBody>
-      </p:sp>
-      <p:sp>
-        <p:nvSpPr>
-          <p:cNvPr id="2" name="Marcador de número de diapositiva 1">
-            <a:extLst>
-              <a:ext uri="{FF2B5EF4-FFF2-40B4-BE49-F238E27FC236}">
-                <a16:creationId xmlns:a16="http://schemas.microsoft.com/office/drawing/2014/main" id="{A4561E57-382E-4082-9185-B9E5406F6D76}"/>
-              </a:ext>
-            </a:extLst>
-          </p:cNvPr>
-          <p:cNvSpPr>
-            <a:spLocks noGrp="1"/>
-          </p:cNvSpPr>
-          <p:nvPr>
-            <p:ph type="sldNum" sz="quarter" idx="12"/>
-          </p:nvPr>
-        </p:nvSpPr>
-        <p:spPr/>
-        <p:txBody>
-          <a:bodyPr/>
-          <a:lstStyle/>
-          <a:p>
-            <a:fld id="{A2BD2354-8804-4BED-BAB9-075C92A071CC}" type="slidenum">
-              <a:rPr lang="es-EC" smtClean="0"/>
-              <a:t>8</a:t>
-            </a:fld>
-            <a:endParaRPr lang="es-EC" dirty="0"/>
-          </a:p>
-        </p:txBody>
-      </p:sp>
-      <p:sp>
-        <p:nvSpPr>
-          <p:cNvPr id="4" name="Rectangle 4">
-            <a:extLst>
-              <a:ext uri="{FF2B5EF4-FFF2-40B4-BE49-F238E27FC236}">
-                <a16:creationId xmlns:a16="http://schemas.microsoft.com/office/drawing/2014/main" id="{07166D38-EEFA-449B-B20A-7374B427F22A}"/>
-              </a:ext>
-            </a:extLst>
-          </p:cNvPr>
-          <p:cNvSpPr txBox="1">
-            <a:spLocks noChangeArrowheads="1"/>
-          </p:cNvSpPr>
-          <p:nvPr/>
-        </p:nvSpPr>
-        <p:spPr bwMode="auto">
-          <a:xfrm>
-            <a:off x="1752600" y="1265237"/>
-            <a:ext cx="7315200" cy="715963"/>
-          </a:xfrm>
-          <a:prstGeom prst="rect">
-            <a:avLst/>
-          </a:prstGeom>
-          <a:noFill/>
-          <a:ln>
-            <a:noFill/>
-          </a:ln>
-          <a:effectLst/>
-          <a:extLst>
-            <a:ext uri="{909E8E84-426E-40DD-AFC4-6F175D3DCCD1}">
-              <a14:hiddenFill xmlns:a14="http://schemas.microsoft.com/office/drawing/2010/main">
-                <a:solidFill>
-                  <a:schemeClr val="accent1"/>
-                </a:solidFill>
-              </a14:hiddenFill>
-            </a:ext>
-            <a:ext uri="{91240B29-F687-4F45-9708-019B960494DF}">
-              <a14:hiddenLine xmlns:a14="http://schemas.microsoft.com/office/drawing/2010/main" w="9525">
-                <a:solidFill>
-                  <a:schemeClr val="tx1"/>
-                </a:solidFill>
-                <a:miter lim="800000"/>
-                <a:headEnd/>
-                <a:tailEnd/>
-              </a14:hiddenLine>
-            </a:ext>
-            <a:ext uri="{AF507438-7753-43E0-B8FC-AC1667EBCBE1}">
-              <a14:hiddenEffects xmlns:a14="http://schemas.microsoft.com/office/drawing/2010/main">
-                <a:effectLst>
-                  <a:outerShdw dist="17961" dir="2700000" algn="ctr" rotWithShape="0">
-                    <a:schemeClr val="tx2"/>
-                  </a:outerShdw>
-                </a:effectLst>
-              </a14:hiddenEffects>
-            </a:ext>
-          </a:extLst>
-        </p:spPr>
-        <p:txBody>
-          <a:bodyPr vert="horz" wrap="square" lIns="91440" tIns="45720" rIns="91440" bIns="45720" numCol="1" anchor="ctr" anchorCtr="0" compatLnSpc="1">
-            <a:prstTxWarp prst="textNoShape">
-              <a:avLst/>
-            </a:prstTxWarp>
-          </a:bodyPr>
-          <a:lstStyle>
-            <a:lvl1pPr algn="l" rtl="0" eaLnBrk="1" fontAlgn="base" hangingPunct="1">
-              <a:spcBef>
-                <a:spcPct val="0"/>
-              </a:spcBef>
-              <a:spcAft>
-                <a:spcPct val="0"/>
-              </a:spcAft>
-              <a:defRPr sz="4400">
-                <a:solidFill>
-                  <a:schemeClr val="tx1"/>
-                </a:solidFill>
-                <a:latin typeface="+mj-lt"/>
-                <a:ea typeface="+mj-ea"/>
-                <a:cs typeface="+mj-cs"/>
-              </a:defRPr>
-            </a:lvl1pPr>
-            <a:lvl2pPr algn="l" rtl="0" eaLnBrk="1" fontAlgn="base" hangingPunct="1">
-              <a:spcBef>
-                <a:spcPct val="0"/>
-              </a:spcBef>
-              <a:spcAft>
-                <a:spcPct val="0"/>
-              </a:spcAft>
-              <a:defRPr sz="4400">
-                <a:solidFill>
-                  <a:schemeClr val="tx1"/>
-                </a:solidFill>
-                <a:latin typeface="Microsoft Sans Serif" pitchFamily="34" charset="0"/>
-              </a:defRPr>
-            </a:lvl2pPr>
-            <a:lvl3pPr algn="l" rtl="0" eaLnBrk="1" fontAlgn="base" hangingPunct="1">
-              <a:spcBef>
-                <a:spcPct val="0"/>
-              </a:spcBef>
-              <a:spcAft>
-                <a:spcPct val="0"/>
-              </a:spcAft>
-              <a:defRPr sz="4400">
-                <a:solidFill>
-                  <a:schemeClr val="tx1"/>
-                </a:solidFill>
-                <a:latin typeface="Microsoft Sans Serif" pitchFamily="34" charset="0"/>
-              </a:defRPr>
-            </a:lvl3pPr>
-            <a:lvl4pPr algn="l" rtl="0" eaLnBrk="1" fontAlgn="base" hangingPunct="1">
-              <a:spcBef>
-                <a:spcPct val="0"/>
-              </a:spcBef>
-              <a:spcAft>
-                <a:spcPct val="0"/>
-              </a:spcAft>
-              <a:defRPr sz="4400">
-                <a:solidFill>
-                  <a:schemeClr val="tx1"/>
-                </a:solidFill>
-                <a:latin typeface="Microsoft Sans Serif" pitchFamily="34" charset="0"/>
-              </a:defRPr>
-            </a:lvl4pPr>
-            <a:lvl5pPr algn="l" rtl="0" eaLnBrk="1" fontAlgn="base" hangingPunct="1">
-              <a:spcBef>
-                <a:spcPct val="0"/>
-              </a:spcBef>
-              <a:spcAft>
-                <a:spcPct val="0"/>
-              </a:spcAft>
-              <a:defRPr sz="4400">
-                <a:solidFill>
-                  <a:schemeClr val="tx1"/>
-                </a:solidFill>
-                <a:latin typeface="Microsoft Sans Serif" pitchFamily="34" charset="0"/>
-              </a:defRPr>
-            </a:lvl5pPr>
-            <a:lvl6pPr marL="457200" algn="l" rtl="0" eaLnBrk="1" fontAlgn="base" hangingPunct="1">
-              <a:spcBef>
-                <a:spcPct val="0"/>
-              </a:spcBef>
-              <a:spcAft>
-                <a:spcPct val="0"/>
-              </a:spcAft>
-              <a:defRPr sz="4400">
-                <a:solidFill>
-                  <a:schemeClr val="tx1"/>
-                </a:solidFill>
-                <a:latin typeface="Microsoft Sans Serif" pitchFamily="34" charset="0"/>
-              </a:defRPr>
-            </a:lvl6pPr>
-            <a:lvl7pPr marL="914400" algn="l" rtl="0" eaLnBrk="1" fontAlgn="base" hangingPunct="1">
-              <a:spcBef>
-                <a:spcPct val="0"/>
-              </a:spcBef>
-              <a:spcAft>
-                <a:spcPct val="0"/>
-              </a:spcAft>
-              <a:defRPr sz="4400">
-                <a:solidFill>
-                  <a:schemeClr val="tx1"/>
-                </a:solidFill>
-                <a:latin typeface="Microsoft Sans Serif" pitchFamily="34" charset="0"/>
-              </a:defRPr>
-            </a:lvl7pPr>
-            <a:lvl8pPr marL="1371600" algn="l" rtl="0" eaLnBrk="1" fontAlgn="base" hangingPunct="1">
-              <a:spcBef>
-                <a:spcPct val="0"/>
-              </a:spcBef>
-              <a:spcAft>
-                <a:spcPct val="0"/>
-              </a:spcAft>
-              <a:defRPr sz="4400">
-                <a:solidFill>
-                  <a:schemeClr val="tx1"/>
-                </a:solidFill>
-                <a:latin typeface="Microsoft Sans Serif" pitchFamily="34" charset="0"/>
-              </a:defRPr>
-            </a:lvl8pPr>
-            <a:lvl9pPr marL="1828800" algn="l" rtl="0" eaLnBrk="1" fontAlgn="base" hangingPunct="1">
-              <a:spcBef>
-                <a:spcPct val="0"/>
-              </a:spcBef>
-              <a:spcAft>
-                <a:spcPct val="0"/>
-              </a:spcAft>
-              <a:defRPr sz="4400">
-                <a:solidFill>
-                  <a:schemeClr val="tx1"/>
-                </a:solidFill>
-                <a:latin typeface="Microsoft Sans Serif" pitchFamily="34" charset="0"/>
-              </a:defRPr>
-            </a:lvl9pPr>
-          </a:lstStyle>
-          <a:p>
-            <a:r>
-              <a:rPr lang="es-EC" altLang="es-EC" sz="2400" b="1" kern="0" dirty="0" err="1" smtClean="0">
-                <a:solidFill>
-                  <a:srgbClr val="0F1151"/>
-                </a:solidFill>
-                <a:latin typeface="Verdana" panose="020B0604030504040204" pitchFamily="34" charset="0"/>
-                <a:ea typeface="Verdana" panose="020B0604030504040204" pitchFamily="34" charset="0"/>
-                <a:cs typeface="Verdana" panose="020B0604030504040204" pitchFamily="34" charset="0"/>
-              </a:rPr>
-              <a:t>Rayleigh</a:t>
-            </a:r>
-            <a:r>
-              <a:rPr lang="es-EC" altLang="es-EC" sz="2400" b="1" kern="0" dirty="0" smtClean="0">
-                <a:solidFill>
-                  <a:srgbClr val="0F1151"/>
-                </a:solidFill>
-                <a:latin typeface="Verdana" panose="020B0604030504040204" pitchFamily="34" charset="0"/>
-                <a:ea typeface="Verdana" panose="020B0604030504040204" pitchFamily="34" charset="0"/>
-                <a:cs typeface="Verdana" panose="020B0604030504040204" pitchFamily="34" charset="0"/>
-              </a:rPr>
-              <a:t> </a:t>
-            </a:r>
-            <a:r>
-              <a:rPr lang="es-EC" altLang="es-EC" sz="2400" b="1" kern="0" dirty="0" err="1" smtClean="0">
-                <a:solidFill>
-                  <a:srgbClr val="0F1151"/>
-                </a:solidFill>
-                <a:latin typeface="Verdana" panose="020B0604030504040204" pitchFamily="34" charset="0"/>
-                <a:ea typeface="Verdana" panose="020B0604030504040204" pitchFamily="34" charset="0"/>
-                <a:cs typeface="Verdana" panose="020B0604030504040204" pitchFamily="34" charset="0"/>
-              </a:rPr>
-              <a:t>Multitrayecto</a:t>
-            </a:r>
-            <a:r>
-              <a:rPr lang="es-EC" altLang="es-EC" sz="2400" b="1" kern="0" dirty="0" smtClean="0">
-                <a:solidFill>
-                  <a:srgbClr val="0F1151"/>
-                </a:solidFill>
-                <a:latin typeface="Verdana" panose="020B0604030504040204" pitchFamily="34" charset="0"/>
-                <a:ea typeface="Verdana" panose="020B0604030504040204" pitchFamily="34" charset="0"/>
-                <a:cs typeface="Verdana" panose="020B0604030504040204" pitchFamily="34" charset="0"/>
-              </a:rPr>
-              <a:t> (NLOS)</a:t>
-            </a:r>
-            <a:endParaRPr lang="es-EC" altLang="es-EC" sz="2400" b="1" kern="0" dirty="0">
-              <a:solidFill>
-                <a:srgbClr val="0F1151"/>
-              </a:solidFill>
-              <a:latin typeface="Verdana" panose="020B0604030504040204" pitchFamily="34" charset="0"/>
-              <a:ea typeface="Verdana" panose="020B0604030504040204" pitchFamily="34" charset="0"/>
-              <a:cs typeface="Verdana" panose="020B0604030504040204" pitchFamily="34" charset="0"/>
-            </a:endParaRPr>
-          </a:p>
-        </p:txBody>
-      </p:sp>
-      <p:pic>
-        <p:nvPicPr>
-          <p:cNvPr id="5" name="Imagen 4"/>
-          <p:cNvPicPr>
-            <a:picLocks noChangeAspect="1"/>
-          </p:cNvPicPr>
-          <p:nvPr/>
-        </p:nvPicPr>
-        <p:blipFill rotWithShape="1">
-          <a:blip r:embed="rId3"/>
-          <a:srcRect r="45404"/>
-          <a:stretch/>
-        </p:blipFill>
-        <p:spPr>
-          <a:xfrm>
-            <a:off x="2057400" y="2438400"/>
-            <a:ext cx="6062721" cy="1303692"/>
-          </a:xfrm>
-          <a:prstGeom prst="rect">
-            <a:avLst/>
-          </a:prstGeom>
-        </p:spPr>
-      </p:pic>
-      <p:pic>
-        <p:nvPicPr>
-          <p:cNvPr id="11" name="Imagen 10"/>
-          <p:cNvPicPr>
-            <a:picLocks noChangeAspect="1"/>
-          </p:cNvPicPr>
-          <p:nvPr/>
-        </p:nvPicPr>
-        <p:blipFill rotWithShape="1">
-          <a:blip r:embed="rId4"/>
-          <a:srcRect r="51705"/>
-          <a:stretch/>
-        </p:blipFill>
-        <p:spPr>
-          <a:xfrm>
-            <a:off x="2034863" y="4470566"/>
-            <a:ext cx="5585137" cy="1357682"/>
-          </a:xfrm>
-          <a:prstGeom prst="rect">
-            <a:avLst/>
-          </a:prstGeom>
-        </p:spPr>
-      </p:pic>
-    </p:spTree>
-    <p:extLst>
-      <p:ext uri="{BB962C8B-B14F-4D97-AF65-F5344CB8AC3E}">
-        <p14:creationId xmlns:p14="http://schemas.microsoft.com/office/powerpoint/2010/main" val="931775019"/>
-      </p:ext>
-    </p:extLst>
-  </p:cSld>
-  <p:clrMapOvr>
-    <a:masterClrMapping/>
-  </p:clrMapOvr>
-  <p:timing>
-    <p:tnLst>
-      <p:par>
-        <p:cTn id="1" dur="indefinite" restart="never" nodeType="tmRoot"/>
-      </p:par>
-    </p:tnLst>
-  </p:timing>
-</p:sld>
-</file>
-
 <file path=ppt/slides/slide9.xml><?xml version="1.0" encoding="utf-8"?>
 <p:sld xmlns:a="http://schemas.openxmlformats.org/drawingml/2006/main" xmlns:r="http://schemas.openxmlformats.org/officeDocument/2006/relationships" xmlns:p="http://schemas.openxmlformats.org/presentationml/2006/main">
   <p:cSld>
@@ -27742,191 +28597,33 @@
       </p:grpSpPr>
       <p:sp>
         <p:nvSpPr>
-          <p:cNvPr id="3074" name="Rectangle 4">
-            <a:extLst>
-              <a:ext uri="{FF2B5EF4-FFF2-40B4-BE49-F238E27FC236}">
-                <a16:creationId xmlns:a16="http://schemas.microsoft.com/office/drawing/2014/main" id="{AE8A3DF6-414E-4AFF-B2DF-189B11211C44}"/>
-              </a:ext>
-            </a:extLst>
-          </p:cNvPr>
+          <p:cNvPr id="2" name="Título 1"/>
           <p:cNvSpPr>
-            <a:spLocks noGrp="1" noChangeArrowheads="1"/>
+            <a:spLocks noGrp="1"/>
           </p:cNvSpPr>
           <p:nvPr>
             <p:ph type="title"/>
           </p:nvPr>
         </p:nvSpPr>
-        <p:spPr>
-          <a:xfrm>
-            <a:off x="1752600" y="427037"/>
-            <a:ext cx="7315200" cy="715963"/>
-          </a:xfrm>
-          <a:extLst>
-            <a:ext uri="{AF507438-7753-43E0-B8FC-AC1667EBCBE1}">
-              <a14:hiddenEffects xmlns:a14="http://schemas.microsoft.com/office/drawing/2010/main">
-                <a:effectLst>
-                  <a:outerShdw dist="17961" dir="2700000" algn="ctr" rotWithShape="0">
-                    <a:schemeClr val="tx2"/>
-                  </a:outerShdw>
-                </a:effectLst>
-              </a14:hiddenEffects>
-            </a:ext>
-          </a:extLst>
-        </p:spPr>
+        <p:spPr/>
         <p:txBody>
           <a:bodyPr>
             <a:normAutofit fontScale="90000"/>
           </a:bodyPr>
           <a:lstStyle/>
           <a:p>
+            <a:pPr algn="ctr"/>
             <a:r>
-              <a:rPr lang="es-EC" altLang="es-EC" sz="3200" b="1" dirty="0"/>
-              <a:t>Diseño en MATLAB de canales con desvanecimiento a pequeña escala</a:t>
+              <a:rPr lang="es-EC" altLang="es-EC" sz="3600" b="1" dirty="0" smtClean="0"/>
+              <a:t>DISEÑO EN MATLAB DE CANALES CON DESVANECIMIENTO A PEQUEÑA ESCALA</a:t>
             </a:r>
-            <a:endParaRPr lang="es-EC" altLang="es-EC" sz="3200" b="1" dirty="0">
-              <a:solidFill>
-                <a:srgbClr val="0F1151"/>
-              </a:solidFill>
-            </a:endParaRPr>
+            <a:endParaRPr lang="en-US" dirty="0"/>
           </a:p>
         </p:txBody>
       </p:sp>
       <p:sp>
         <p:nvSpPr>
-          <p:cNvPr id="3075" name="Rectangle 5">
-            <a:extLst>
-              <a:ext uri="{FF2B5EF4-FFF2-40B4-BE49-F238E27FC236}">
-                <a16:creationId xmlns:a16="http://schemas.microsoft.com/office/drawing/2014/main" id="{DF6B7314-579F-48C9-AEA5-172961AB63ED}"/>
-              </a:ext>
-            </a:extLst>
-          </p:cNvPr>
-          <p:cNvSpPr>
-            <a:spLocks noGrp="1" noChangeArrowheads="1"/>
-          </p:cNvSpPr>
-          <p:nvPr>
-            <p:ph idx="1"/>
-          </p:nvPr>
-        </p:nvSpPr>
-        <p:spPr>
-          <a:xfrm>
-            <a:off x="1472821" y="2031242"/>
-            <a:ext cx="7315200" cy="4191000"/>
-          </a:xfrm>
-        </p:spPr>
-        <p:txBody>
-          <a:bodyPr/>
-          <a:lstStyle/>
-          <a:p>
-            <a:pPr eaLnBrk="1" hangingPunct="1">
-              <a:lnSpc>
-                <a:spcPct val="80000"/>
-              </a:lnSpc>
-            </a:pPr>
-            <a:r>
-              <a:rPr lang="es-EC" altLang="ko-KR" sz="2000" dirty="0" smtClean="0">
-                <a:ea typeface="굴림" panose="020B0600000101010101" pitchFamily="34" charset="-127"/>
-              </a:rPr>
-              <a:t>Utilizando funciones</a:t>
-            </a:r>
-          </a:p>
-          <a:p>
-            <a:pPr marL="0" indent="0" eaLnBrk="1" hangingPunct="1">
-              <a:lnSpc>
-                <a:spcPct val="80000"/>
-              </a:lnSpc>
-              <a:buNone/>
-            </a:pPr>
-            <a:endParaRPr lang="es-EC" altLang="ko-KR" sz="2000" dirty="0" smtClean="0">
-              <a:solidFill>
-                <a:srgbClr val="0F1151"/>
-              </a:solidFill>
-              <a:latin typeface="Verdana" panose="020B0604030504040204" pitchFamily="34" charset="0"/>
-              <a:ea typeface="굴림" panose="020B0600000101010101" pitchFamily="34" charset="-127"/>
-            </a:endParaRPr>
-          </a:p>
-          <a:p>
-            <a:pPr marL="0" indent="0" eaLnBrk="1" hangingPunct="1">
-              <a:lnSpc>
-                <a:spcPct val="80000"/>
-              </a:lnSpc>
-              <a:buNone/>
-            </a:pPr>
-            <a:endParaRPr lang="es-EC" altLang="ko-KR" sz="2000" dirty="0">
-              <a:ea typeface="굴림" panose="020B0600000101010101" pitchFamily="34" charset="-127"/>
-            </a:endParaRPr>
-          </a:p>
-          <a:p>
-            <a:pPr marL="0" indent="0" eaLnBrk="1" hangingPunct="1">
-              <a:lnSpc>
-                <a:spcPct val="80000"/>
-              </a:lnSpc>
-              <a:buNone/>
-            </a:pPr>
-            <a:endParaRPr lang="es-EC" altLang="ko-KR" sz="2000" dirty="0" smtClean="0">
-              <a:solidFill>
-                <a:srgbClr val="0F1151"/>
-              </a:solidFill>
-              <a:latin typeface="Verdana" panose="020B0604030504040204" pitchFamily="34" charset="0"/>
-              <a:ea typeface="굴림" panose="020B0600000101010101" pitchFamily="34" charset="-127"/>
-            </a:endParaRPr>
-          </a:p>
-          <a:p>
-            <a:pPr marL="0" indent="0" eaLnBrk="1" hangingPunct="1">
-              <a:lnSpc>
-                <a:spcPct val="80000"/>
-              </a:lnSpc>
-              <a:buNone/>
-            </a:pPr>
-            <a:endParaRPr lang="es-EC" altLang="ko-KR" sz="2000" dirty="0">
-              <a:ea typeface="굴림" panose="020B0600000101010101" pitchFamily="34" charset="-127"/>
-            </a:endParaRPr>
-          </a:p>
-          <a:p>
-            <a:pPr marL="0" indent="0" eaLnBrk="1" hangingPunct="1">
-              <a:lnSpc>
-                <a:spcPct val="80000"/>
-              </a:lnSpc>
-              <a:buNone/>
-            </a:pPr>
-            <a:endParaRPr lang="es-EC" altLang="ko-KR" sz="2000" dirty="0" smtClean="0">
-              <a:solidFill>
-                <a:srgbClr val="0F1151"/>
-              </a:solidFill>
-              <a:latin typeface="Verdana" panose="020B0604030504040204" pitchFamily="34" charset="0"/>
-              <a:ea typeface="굴림" panose="020B0600000101010101" pitchFamily="34" charset="-127"/>
-            </a:endParaRPr>
-          </a:p>
-          <a:p>
-            <a:pPr eaLnBrk="1" hangingPunct="1">
-              <a:lnSpc>
-                <a:spcPct val="80000"/>
-              </a:lnSpc>
-            </a:pPr>
-            <a:r>
-              <a:rPr lang="es-EC" altLang="ko-KR" sz="2000" dirty="0" smtClean="0">
-                <a:ea typeface="굴림" panose="020B0600000101010101" pitchFamily="34" charset="-127"/>
-              </a:rPr>
-              <a:t>Creando objetos</a:t>
-            </a:r>
-            <a:endParaRPr lang="es-EC" altLang="ko-KR" sz="2000" dirty="0">
-              <a:solidFill>
-                <a:srgbClr val="0F1151"/>
-              </a:solidFill>
-              <a:latin typeface="Verdana" panose="020B0604030504040204" pitchFamily="34" charset="0"/>
-              <a:ea typeface="굴림" panose="020B0600000101010101" pitchFamily="34" charset="-127"/>
-            </a:endParaRPr>
-          </a:p>
-        </p:txBody>
-      </p:sp>
-      <p:sp>
-        <p:nvSpPr>
-          <p:cNvPr id="2" name="Marcador de número de diapositiva 1">
-            <a:extLst>
-              <a:ext uri="{FF2B5EF4-FFF2-40B4-BE49-F238E27FC236}">
-                <a16:creationId xmlns:a16="http://schemas.microsoft.com/office/drawing/2014/main" id="{A4561E57-382E-4082-9185-B9E5406F6D76}"/>
-              </a:ext>
-            </a:extLst>
-          </p:cNvPr>
+          <p:cNvPr id="3" name="Marcador de número de diapositiva 2"/>
           <p:cNvSpPr>
             <a:spLocks noGrp="1"/>
           </p:cNvSpPr>
@@ -27941,323 +28638,23 @@
           <a:p>
             <a:fld id="{A2BD2354-8804-4BED-BAB9-075C92A071CC}" type="slidenum">
               <a:rPr lang="es-EC" smtClean="0"/>
+              <a:pPr/>
               <a:t>9</a:t>
             </a:fld>
             <a:endParaRPr lang="es-EC" dirty="0"/>
           </a:p>
         </p:txBody>
       </p:sp>
-      <p:sp>
-        <p:nvSpPr>
-          <p:cNvPr id="4" name="Rectangle 4">
-            <a:extLst>
-              <a:ext uri="{FF2B5EF4-FFF2-40B4-BE49-F238E27FC236}">
-                <a16:creationId xmlns:a16="http://schemas.microsoft.com/office/drawing/2014/main" id="{07166D38-EEFA-449B-B20A-7374B427F22A}"/>
-              </a:ext>
-            </a:extLst>
-          </p:cNvPr>
-          <p:cNvSpPr txBox="1">
-            <a:spLocks noChangeArrowheads="1"/>
-          </p:cNvSpPr>
-          <p:nvPr/>
-        </p:nvSpPr>
-        <p:spPr bwMode="auto">
-          <a:xfrm>
-            <a:off x="1752600" y="1265237"/>
-            <a:ext cx="7315200" cy="715963"/>
-          </a:xfrm>
-          <a:prstGeom prst="rect">
-            <a:avLst/>
-          </a:prstGeom>
-          <a:noFill/>
-          <a:ln>
-            <a:noFill/>
-          </a:ln>
-          <a:effectLst/>
-          <a:extLst>
-            <a:ext uri="{909E8E84-426E-40DD-AFC4-6F175D3DCCD1}">
-              <a14:hiddenFill xmlns:a14="http://schemas.microsoft.com/office/drawing/2010/main">
-                <a:solidFill>
-                  <a:schemeClr val="accent1"/>
-                </a:solidFill>
-              </a14:hiddenFill>
-            </a:ext>
-            <a:ext uri="{91240B29-F687-4F45-9708-019B960494DF}">
-              <a14:hiddenLine xmlns:a14="http://schemas.microsoft.com/office/drawing/2010/main" w="9525">
-                <a:solidFill>
-                  <a:schemeClr val="tx1"/>
-                </a:solidFill>
-                <a:miter lim="800000"/>
-                <a:headEnd/>
-                <a:tailEnd/>
-              </a14:hiddenLine>
-            </a:ext>
-            <a:ext uri="{AF507438-7753-43E0-B8FC-AC1667EBCBE1}">
-              <a14:hiddenEffects xmlns:a14="http://schemas.microsoft.com/office/drawing/2010/main">
-                <a:effectLst>
-                  <a:outerShdw dist="17961" dir="2700000" algn="ctr" rotWithShape="0">
-                    <a:schemeClr val="tx2"/>
-                  </a:outerShdw>
-                </a:effectLst>
-              </a14:hiddenEffects>
-            </a:ext>
-          </a:extLst>
-        </p:spPr>
-        <p:txBody>
-          <a:bodyPr vert="horz" wrap="square" lIns="91440" tIns="45720" rIns="91440" bIns="45720" numCol="1" anchor="ctr" anchorCtr="0" compatLnSpc="1">
-            <a:prstTxWarp prst="textNoShape">
-              <a:avLst/>
-            </a:prstTxWarp>
-          </a:bodyPr>
-          <a:lstStyle>
-            <a:lvl1pPr algn="l" rtl="0" eaLnBrk="1" fontAlgn="base" hangingPunct="1">
-              <a:spcBef>
-                <a:spcPct val="0"/>
-              </a:spcBef>
-              <a:spcAft>
-                <a:spcPct val="0"/>
-              </a:spcAft>
-              <a:defRPr sz="4400">
-                <a:solidFill>
-                  <a:schemeClr val="tx1"/>
-                </a:solidFill>
-                <a:latin typeface="+mj-lt"/>
-                <a:ea typeface="+mj-ea"/>
-                <a:cs typeface="+mj-cs"/>
-              </a:defRPr>
-            </a:lvl1pPr>
-            <a:lvl2pPr algn="l" rtl="0" eaLnBrk="1" fontAlgn="base" hangingPunct="1">
-              <a:spcBef>
-                <a:spcPct val="0"/>
-              </a:spcBef>
-              <a:spcAft>
-                <a:spcPct val="0"/>
-              </a:spcAft>
-              <a:defRPr sz="4400">
-                <a:solidFill>
-                  <a:schemeClr val="tx1"/>
-                </a:solidFill>
-                <a:latin typeface="Microsoft Sans Serif" pitchFamily="34" charset="0"/>
-              </a:defRPr>
-            </a:lvl2pPr>
-            <a:lvl3pPr algn="l" rtl="0" eaLnBrk="1" fontAlgn="base" hangingPunct="1">
-              <a:spcBef>
-                <a:spcPct val="0"/>
-              </a:spcBef>
-              <a:spcAft>
-                <a:spcPct val="0"/>
-              </a:spcAft>
-              <a:defRPr sz="4400">
-                <a:solidFill>
-                  <a:schemeClr val="tx1"/>
-                </a:solidFill>
-                <a:latin typeface="Microsoft Sans Serif" pitchFamily="34" charset="0"/>
-              </a:defRPr>
-            </a:lvl3pPr>
-            <a:lvl4pPr algn="l" rtl="0" eaLnBrk="1" fontAlgn="base" hangingPunct="1">
-              <a:spcBef>
-                <a:spcPct val="0"/>
-              </a:spcBef>
-              <a:spcAft>
-                <a:spcPct val="0"/>
-              </a:spcAft>
-              <a:defRPr sz="4400">
-                <a:solidFill>
-                  <a:schemeClr val="tx1"/>
-                </a:solidFill>
-                <a:latin typeface="Microsoft Sans Serif" pitchFamily="34" charset="0"/>
-              </a:defRPr>
-            </a:lvl4pPr>
-            <a:lvl5pPr algn="l" rtl="0" eaLnBrk="1" fontAlgn="base" hangingPunct="1">
-              <a:spcBef>
-                <a:spcPct val="0"/>
-              </a:spcBef>
-              <a:spcAft>
-                <a:spcPct val="0"/>
-              </a:spcAft>
-              <a:defRPr sz="4400">
-                <a:solidFill>
-                  <a:schemeClr val="tx1"/>
-                </a:solidFill>
-                <a:latin typeface="Microsoft Sans Serif" pitchFamily="34" charset="0"/>
-              </a:defRPr>
-            </a:lvl5pPr>
-            <a:lvl6pPr marL="457200" algn="l" rtl="0" eaLnBrk="1" fontAlgn="base" hangingPunct="1">
-              <a:spcBef>
-                <a:spcPct val="0"/>
-              </a:spcBef>
-              <a:spcAft>
-                <a:spcPct val="0"/>
-              </a:spcAft>
-              <a:defRPr sz="4400">
-                <a:solidFill>
-                  <a:schemeClr val="tx1"/>
-                </a:solidFill>
-                <a:latin typeface="Microsoft Sans Serif" pitchFamily="34" charset="0"/>
-              </a:defRPr>
-            </a:lvl6pPr>
-            <a:lvl7pPr marL="914400" algn="l" rtl="0" eaLnBrk="1" fontAlgn="base" hangingPunct="1">
-              <a:spcBef>
-                <a:spcPct val="0"/>
-              </a:spcBef>
-              <a:spcAft>
-                <a:spcPct val="0"/>
-              </a:spcAft>
-              <a:defRPr sz="4400">
-                <a:solidFill>
-                  <a:schemeClr val="tx1"/>
-                </a:solidFill>
-                <a:latin typeface="Microsoft Sans Serif" pitchFamily="34" charset="0"/>
-              </a:defRPr>
-            </a:lvl7pPr>
-            <a:lvl8pPr marL="1371600" algn="l" rtl="0" eaLnBrk="1" fontAlgn="base" hangingPunct="1">
-              <a:spcBef>
-                <a:spcPct val="0"/>
-              </a:spcBef>
-              <a:spcAft>
-                <a:spcPct val="0"/>
-              </a:spcAft>
-              <a:defRPr sz="4400">
-                <a:solidFill>
-                  <a:schemeClr val="tx1"/>
-                </a:solidFill>
-                <a:latin typeface="Microsoft Sans Serif" pitchFamily="34" charset="0"/>
-              </a:defRPr>
-            </a:lvl8pPr>
-            <a:lvl9pPr marL="1828800" algn="l" rtl="0" eaLnBrk="1" fontAlgn="base" hangingPunct="1">
-              <a:spcBef>
-                <a:spcPct val="0"/>
-              </a:spcBef>
-              <a:spcAft>
-                <a:spcPct val="0"/>
-              </a:spcAft>
-              <a:defRPr sz="4400">
-                <a:solidFill>
-                  <a:schemeClr val="tx1"/>
-                </a:solidFill>
-                <a:latin typeface="Microsoft Sans Serif" pitchFamily="34" charset="0"/>
-              </a:defRPr>
-            </a:lvl9pPr>
-          </a:lstStyle>
-          <a:p>
-            <a:r>
-              <a:rPr lang="es-EC" altLang="es-EC" sz="2400" b="1" kern="0" dirty="0" err="1" smtClean="0">
-                <a:solidFill>
-                  <a:srgbClr val="0F1151"/>
-                </a:solidFill>
-                <a:latin typeface="Verdana" panose="020B0604030504040204" pitchFamily="34" charset="0"/>
-                <a:ea typeface="Verdana" panose="020B0604030504040204" pitchFamily="34" charset="0"/>
-                <a:cs typeface="Verdana" panose="020B0604030504040204" pitchFamily="34" charset="0"/>
-              </a:rPr>
-              <a:t>Rician</a:t>
-            </a:r>
-            <a:r>
-              <a:rPr lang="es-EC" altLang="es-EC" sz="2400" b="1" kern="0" dirty="0" smtClean="0">
-                <a:solidFill>
-                  <a:srgbClr val="0F1151"/>
-                </a:solidFill>
-                <a:latin typeface="Verdana" panose="020B0604030504040204" pitchFamily="34" charset="0"/>
-                <a:ea typeface="Verdana" panose="020B0604030504040204" pitchFamily="34" charset="0"/>
-                <a:cs typeface="Verdana" panose="020B0604030504040204" pitchFamily="34" charset="0"/>
-              </a:rPr>
-              <a:t> </a:t>
-            </a:r>
-            <a:r>
-              <a:rPr lang="es-EC" altLang="es-EC" sz="2400" b="1" kern="0" dirty="0" err="1" smtClean="0">
-                <a:solidFill>
-                  <a:srgbClr val="0F1151"/>
-                </a:solidFill>
-                <a:latin typeface="Verdana" panose="020B0604030504040204" pitchFamily="34" charset="0"/>
-                <a:ea typeface="Verdana" panose="020B0604030504040204" pitchFamily="34" charset="0"/>
-                <a:cs typeface="Verdana" panose="020B0604030504040204" pitchFamily="34" charset="0"/>
-              </a:rPr>
-              <a:t>Multitrayecto</a:t>
-            </a:r>
-            <a:r>
-              <a:rPr lang="es-EC" altLang="es-EC" sz="2400" b="1" kern="0" dirty="0" smtClean="0">
-                <a:solidFill>
-                  <a:srgbClr val="0F1151"/>
-                </a:solidFill>
-                <a:latin typeface="Verdana" panose="020B0604030504040204" pitchFamily="34" charset="0"/>
-                <a:ea typeface="Verdana" panose="020B0604030504040204" pitchFamily="34" charset="0"/>
-                <a:cs typeface="Verdana" panose="020B0604030504040204" pitchFamily="34" charset="0"/>
-              </a:rPr>
-              <a:t> (LOS)</a:t>
-            </a:r>
-            <a:endParaRPr lang="es-EC" altLang="es-EC" sz="2400" b="1" kern="0" dirty="0">
-              <a:solidFill>
-                <a:srgbClr val="0F1151"/>
-              </a:solidFill>
-              <a:latin typeface="Verdana" panose="020B0604030504040204" pitchFamily="34" charset="0"/>
-              <a:ea typeface="Verdana" panose="020B0604030504040204" pitchFamily="34" charset="0"/>
-              <a:cs typeface="Verdana" panose="020B0604030504040204" pitchFamily="34" charset="0"/>
-            </a:endParaRPr>
-          </a:p>
-        </p:txBody>
-      </p:sp>
-      <p:pic>
-        <p:nvPicPr>
-          <p:cNvPr id="9" name="Imagen 8"/>
-          <p:cNvPicPr>
-            <a:picLocks noChangeAspect="1"/>
-          </p:cNvPicPr>
-          <p:nvPr/>
-        </p:nvPicPr>
-        <p:blipFill rotWithShape="1">
-          <a:blip r:embed="rId3"/>
-          <a:srcRect r="44255"/>
-          <a:stretch/>
-        </p:blipFill>
-        <p:spPr>
-          <a:xfrm>
-            <a:off x="2075575" y="2391556"/>
-            <a:ext cx="5773025" cy="1418444"/>
-          </a:xfrm>
-          <a:prstGeom prst="rect">
-            <a:avLst/>
-          </a:prstGeom>
-        </p:spPr>
-      </p:pic>
-      <p:pic>
-        <p:nvPicPr>
-          <p:cNvPr id="12" name="Imagen 11"/>
-          <p:cNvPicPr>
-            <a:picLocks noChangeAspect="1"/>
-          </p:cNvPicPr>
-          <p:nvPr/>
-        </p:nvPicPr>
-        <p:blipFill rotWithShape="1">
-          <a:blip r:embed="rId4"/>
-          <a:srcRect r="29274"/>
-          <a:stretch/>
-        </p:blipFill>
-        <p:spPr>
-          <a:xfrm>
-            <a:off x="1219200" y="4495800"/>
-            <a:ext cx="7713826" cy="1493837"/>
-          </a:xfrm>
-          <a:prstGeom prst="rect">
-            <a:avLst/>
-          </a:prstGeom>
-        </p:spPr>
-      </p:pic>
     </p:spTree>
     <p:extLst>
       <p:ext uri="{BB962C8B-B14F-4D97-AF65-F5344CB8AC3E}">
-        <p14:creationId xmlns:p14="http://schemas.microsoft.com/office/powerpoint/2010/main" val="687700688"/>
+        <p14:creationId xmlns:p14="http://schemas.microsoft.com/office/powerpoint/2010/main" val="2451647448"/>
       </p:ext>
     </p:extLst>
   </p:cSld>
   <p:clrMapOvr>
     <a:masterClrMapping/>
   </p:clrMapOvr>
-  <p:timing>
-    <p:tnLst>
-      <p:par>
-        <p:cTn id="1" dur="indefinite" restart="never" nodeType="tmRoot"/>
-      </p:par>
-    </p:tnLst>
-  </p:timing>
 </p:sld>
 </file>
 
